--- a/semester1_technology_skills/05_python2/slides/DigitalSkills_01_05_Python2_220629_v2.pptx
+++ b/semester1_technology_skills/05_python2/slides/DigitalSkills_01_05_Python2_220629_v2.pptx
@@ -5,24 +5,25 @@
     <p:sldMasterId id="2147483648" r:id="rId1"/>
   </p:sldMasterIdLst>
   <p:notesMasterIdLst>
-    <p:notesMasterId r:id="rId12"/>
+    <p:notesMasterId r:id="rId13"/>
   </p:notesMasterIdLst>
   <p:sldIdLst>
     <p:sldId id="428" r:id="rId2"/>
-    <p:sldId id="470" r:id="rId3"/>
-    <p:sldId id="469" r:id="rId4"/>
-    <p:sldId id="471" r:id="rId5"/>
-    <p:sldId id="474" r:id="rId6"/>
-    <p:sldId id="472" r:id="rId7"/>
-    <p:sldId id="473" r:id="rId8"/>
-    <p:sldId id="475" r:id="rId9"/>
-    <p:sldId id="476" r:id="rId10"/>
-    <p:sldId id="477" r:id="rId11"/>
+    <p:sldId id="445" r:id="rId3"/>
+    <p:sldId id="470" r:id="rId4"/>
+    <p:sldId id="469" r:id="rId5"/>
+    <p:sldId id="471" r:id="rId6"/>
+    <p:sldId id="474" r:id="rId7"/>
+    <p:sldId id="472" r:id="rId8"/>
+    <p:sldId id="473" r:id="rId9"/>
+    <p:sldId id="475" r:id="rId10"/>
+    <p:sldId id="476" r:id="rId11"/>
+    <p:sldId id="477" r:id="rId12"/>
   </p:sldIdLst>
   <p:sldSz cx="12192000" cy="6858000"/>
   <p:notesSz cx="6858000" cy="9144000"/>
   <p:custDataLst>
-    <p:tags r:id="rId13"/>
+    <p:tags r:id="rId14"/>
   </p:custDataLst>
   <p:defaultTextStyle>
     <a:defPPr>
@@ -220,7 +221,7 @@
           <a:p>
             <a:fld id="{DE7E3AB8-876E-1542-BA35-CC1AAFD17F71}" type="datetimeFigureOut">
               <a:rPr lang="de-DE" smtClean="0"/>
-              <a:t>29.06.22</a:t>
+              <a:t>05.07.22</a:t>
             </a:fld>
             <a:endParaRPr lang="de-DE"/>
           </a:p>
@@ -532,839 +533,53 @@
           <a:lstStyle/>
           <a:p>
             <a:r>
-              <a:rPr lang="en-GB" sz="1200" b="1" i="0" u="none" strike="noStrike" kern="1200" dirty="0">
-                <a:solidFill>
-                  <a:schemeClr val="tx1"/>
-                </a:solidFill>
-                <a:effectLst/>
-                <a:latin typeface="+mn-lt"/>
-                <a:ea typeface="+mn-ea"/>
-                <a:cs typeface="+mn-cs"/>
-              </a:rPr>
-              <a:t>Bugs</a:t>
-            </a:r>
-            <a:r>
-              <a:rPr lang="en-GB" sz="1200" b="0" i="0" u="none" strike="noStrike" kern="1200" dirty="0">
-                <a:solidFill>
-                  <a:schemeClr val="tx1"/>
-                </a:solidFill>
-                <a:effectLst/>
-                <a:latin typeface="+mn-lt"/>
-                <a:ea typeface="+mn-ea"/>
-                <a:cs typeface="+mn-cs"/>
-              </a:rPr>
+              <a:rPr lang="de-DE" dirty="0"/>
+              <a:t>Scratch: Beispiel fragt Nutzer nach Eingabe und speichert Ergebnis in der Variable </a:t>
+            </a:r>
+            <a:r>
+              <a:rPr lang="de-DE" dirty="0" err="1"/>
+              <a:t>answer</a:t>
+            </a:r>
+            <a:endParaRPr lang="de-DE" dirty="0"/>
+          </a:p>
+          <a:p>
+            <a:endParaRPr lang="de-DE" dirty="0"/>
+          </a:p>
+          <a:p>
+            <a:r>
+              <a:rPr lang="de-DE" dirty="0"/>
+              <a:t>hello1.py</a:t>
+            </a:r>
+          </a:p>
+          <a:p>
+            <a:r>
+              <a:rPr lang="de-DE" dirty="0"/>
+              <a:t>Erst ohne </a:t>
+            </a:r>
+            <a:r>
+              <a:rPr lang="de-DE" dirty="0" err="1"/>
+              <a:t>import</a:t>
+            </a:r>
+            <a:r>
+              <a:rPr lang="de-DE" dirty="0"/>
+              <a:t>, dann mit (vgl. </a:t>
+            </a:r>
+            <a:r>
+              <a:rPr lang="de-DE" dirty="0" err="1"/>
+              <a:t>Lecture</a:t>
+            </a:r>
+            <a:r>
+              <a:rPr lang="de-DE" dirty="0"/>
               <a:t> </a:t>
             </a:r>
             <a:r>
-              <a:rPr lang="en-GB" sz="1200" b="0" i="0" u="none" strike="noStrike" kern="1200" dirty="0" err="1">
-                <a:solidFill>
-                  <a:schemeClr val="tx1"/>
-                </a:solidFill>
-                <a:effectLst/>
-                <a:latin typeface="+mn-lt"/>
-                <a:ea typeface="+mn-ea"/>
-                <a:cs typeface="+mn-cs"/>
-              </a:rPr>
-              <a:t>sind</a:t>
-            </a:r>
-            <a:r>
-              <a:rPr lang="en-GB" sz="1200" b="0" i="0" u="none" strike="noStrike" kern="1200" dirty="0">
-                <a:solidFill>
-                  <a:schemeClr val="tx1"/>
-                </a:solidFill>
-                <a:effectLst/>
-                <a:latin typeface="+mn-lt"/>
-                <a:ea typeface="+mn-ea"/>
-                <a:cs typeface="+mn-cs"/>
-              </a:rPr>
-              <a:t> </a:t>
-            </a:r>
-            <a:r>
-              <a:rPr lang="en-GB" sz="1200" b="0" i="0" u="none" strike="noStrike" kern="1200" dirty="0" err="1">
-                <a:solidFill>
-                  <a:schemeClr val="tx1"/>
-                </a:solidFill>
-                <a:effectLst/>
-                <a:latin typeface="+mn-lt"/>
-                <a:ea typeface="+mn-ea"/>
-                <a:cs typeface="+mn-cs"/>
-              </a:rPr>
-              <a:t>Fehler</a:t>
-            </a:r>
-            <a:r>
-              <a:rPr lang="en-GB" sz="1200" b="0" i="0" u="none" strike="noStrike" kern="1200" dirty="0">
-                <a:solidFill>
-                  <a:schemeClr val="tx1"/>
-                </a:solidFill>
-                <a:effectLst/>
-                <a:latin typeface="+mn-lt"/>
-                <a:ea typeface="+mn-ea"/>
-                <a:cs typeface="+mn-cs"/>
-              </a:rPr>
-              <a:t> in </a:t>
-            </a:r>
-            <a:r>
-              <a:rPr lang="en-GB" sz="1200" b="0" i="0" u="none" strike="noStrike" kern="1200" dirty="0" err="1">
-                <a:solidFill>
-                  <a:schemeClr val="tx1"/>
-                </a:solidFill>
-                <a:effectLst/>
-                <a:latin typeface="+mn-lt"/>
-                <a:ea typeface="+mn-ea"/>
-                <a:cs typeface="+mn-cs"/>
-              </a:rPr>
-              <a:t>Programmen</a:t>
-            </a:r>
-            <a:r>
-              <a:rPr lang="en-GB" sz="1200" b="0" i="0" u="none" strike="noStrike" kern="1200" dirty="0">
-                <a:solidFill>
-                  <a:schemeClr val="tx1"/>
-                </a:solidFill>
-                <a:effectLst/>
-                <a:latin typeface="+mn-lt"/>
-                <a:ea typeface="+mn-ea"/>
-                <a:cs typeface="+mn-cs"/>
-              </a:rPr>
-              <a:t>, die </a:t>
-            </a:r>
-            <a:r>
-              <a:rPr lang="en-GB" sz="1200" b="0" i="0" u="none" strike="noStrike" kern="1200" dirty="0" err="1">
-                <a:solidFill>
-                  <a:schemeClr val="tx1"/>
-                </a:solidFill>
-                <a:effectLst/>
-                <a:latin typeface="+mn-lt"/>
-                <a:ea typeface="+mn-ea"/>
-                <a:cs typeface="+mn-cs"/>
-              </a:rPr>
-              <a:t>dazu</a:t>
-            </a:r>
-            <a:r>
-              <a:rPr lang="en-GB" sz="1200" b="0" i="0" u="none" strike="noStrike" kern="1200" dirty="0">
-                <a:solidFill>
-                  <a:schemeClr val="tx1"/>
-                </a:solidFill>
-                <a:effectLst/>
-                <a:latin typeface="+mn-lt"/>
-                <a:ea typeface="+mn-ea"/>
-                <a:cs typeface="+mn-cs"/>
-              </a:rPr>
-              <a:t> </a:t>
-            </a:r>
-            <a:r>
-              <a:rPr lang="en-GB" sz="1200" b="0" i="0" u="none" strike="noStrike" kern="1200" dirty="0" err="1">
-                <a:solidFill>
-                  <a:schemeClr val="tx1"/>
-                </a:solidFill>
-                <a:effectLst/>
-                <a:latin typeface="+mn-lt"/>
-                <a:ea typeface="+mn-ea"/>
-                <a:cs typeface="+mn-cs"/>
-              </a:rPr>
-              <a:t>führen</a:t>
-            </a:r>
-            <a:r>
-              <a:rPr lang="en-GB" sz="1200" b="0" i="0" u="none" strike="noStrike" kern="1200" dirty="0">
-                <a:solidFill>
-                  <a:schemeClr val="tx1"/>
-                </a:solidFill>
-                <a:effectLst/>
-                <a:latin typeface="+mn-lt"/>
-                <a:ea typeface="+mn-ea"/>
-                <a:cs typeface="+mn-cs"/>
-              </a:rPr>
-              <a:t>, </a:t>
-            </a:r>
-            <a:r>
-              <a:rPr lang="en-GB" sz="1200" b="0" i="0" u="none" strike="noStrike" kern="1200" dirty="0" err="1">
-                <a:solidFill>
-                  <a:schemeClr val="tx1"/>
-                </a:solidFill>
-                <a:effectLst/>
-                <a:latin typeface="+mn-lt"/>
-                <a:ea typeface="+mn-ea"/>
-                <a:cs typeface="+mn-cs"/>
-              </a:rPr>
-              <a:t>dass</a:t>
-            </a:r>
-            <a:r>
-              <a:rPr lang="en-GB" sz="1200" b="0" i="0" u="none" strike="noStrike" kern="1200" dirty="0">
-                <a:solidFill>
-                  <a:schemeClr val="tx1"/>
-                </a:solidFill>
-                <a:effectLst/>
-                <a:latin typeface="+mn-lt"/>
-                <a:ea typeface="+mn-ea"/>
-                <a:cs typeface="+mn-cs"/>
-              </a:rPr>
-              <a:t> das </a:t>
-            </a:r>
-            <a:r>
-              <a:rPr lang="en-GB" sz="1200" b="0" i="0" u="none" strike="noStrike" kern="1200" dirty="0" err="1">
-                <a:solidFill>
-                  <a:schemeClr val="tx1"/>
-                </a:solidFill>
-                <a:effectLst/>
-                <a:latin typeface="+mn-lt"/>
-                <a:ea typeface="+mn-ea"/>
-                <a:cs typeface="+mn-cs"/>
-              </a:rPr>
-              <a:t>Programm</a:t>
-            </a:r>
-            <a:r>
-              <a:rPr lang="en-GB" sz="1200" b="0" i="0" u="none" strike="noStrike" kern="1200" dirty="0">
-                <a:solidFill>
-                  <a:schemeClr val="tx1"/>
-                </a:solidFill>
-                <a:effectLst/>
-                <a:latin typeface="+mn-lt"/>
-                <a:ea typeface="+mn-ea"/>
-                <a:cs typeface="+mn-cs"/>
-              </a:rPr>
-              <a:t> </a:t>
-            </a:r>
-            <a:r>
-              <a:rPr lang="en-GB" sz="1200" b="0" i="0" u="none" strike="noStrike" kern="1200" dirty="0" err="1">
-                <a:solidFill>
-                  <a:schemeClr val="tx1"/>
-                </a:solidFill>
-                <a:effectLst/>
-                <a:latin typeface="+mn-lt"/>
-                <a:ea typeface="+mn-ea"/>
-                <a:cs typeface="+mn-cs"/>
-              </a:rPr>
-              <a:t>etwas</a:t>
-            </a:r>
-            <a:r>
-              <a:rPr lang="en-GB" sz="1200" b="0" i="0" u="none" strike="noStrike" kern="1200" dirty="0">
-                <a:solidFill>
-                  <a:schemeClr val="tx1"/>
-                </a:solidFill>
-                <a:effectLst/>
-                <a:latin typeface="+mn-lt"/>
-                <a:ea typeface="+mn-ea"/>
-                <a:cs typeface="+mn-cs"/>
-              </a:rPr>
-              <a:t> </a:t>
-            </a:r>
-            <a:r>
-              <a:rPr lang="en-GB" sz="1200" b="0" i="0" u="none" strike="noStrike" kern="1200" dirty="0" err="1">
-                <a:solidFill>
-                  <a:schemeClr val="tx1"/>
-                </a:solidFill>
-                <a:effectLst/>
-                <a:latin typeface="+mn-lt"/>
-                <a:ea typeface="+mn-ea"/>
-                <a:cs typeface="+mn-cs"/>
-              </a:rPr>
-              <a:t>anderes</a:t>
-            </a:r>
-            <a:r>
-              <a:rPr lang="en-GB" sz="1200" b="0" i="0" u="none" strike="noStrike" kern="1200" dirty="0">
-                <a:solidFill>
-                  <a:schemeClr val="tx1"/>
-                </a:solidFill>
-                <a:effectLst/>
-                <a:latin typeface="+mn-lt"/>
-                <a:ea typeface="+mn-ea"/>
-                <a:cs typeface="+mn-cs"/>
-              </a:rPr>
-              <a:t> tut </a:t>
-            </a:r>
-            <a:r>
-              <a:rPr lang="en-GB" sz="1200" b="0" i="0" u="none" strike="noStrike" kern="1200" dirty="0" err="1">
-                <a:solidFill>
-                  <a:schemeClr val="tx1"/>
-                </a:solidFill>
-                <a:effectLst/>
-                <a:latin typeface="+mn-lt"/>
-                <a:ea typeface="+mn-ea"/>
-                <a:cs typeface="+mn-cs"/>
-              </a:rPr>
-              <a:t>als</a:t>
-            </a:r>
-            <a:r>
-              <a:rPr lang="en-GB" sz="1200" b="0" i="0" u="none" strike="noStrike" kern="1200" dirty="0">
-                <a:solidFill>
-                  <a:schemeClr val="tx1"/>
-                </a:solidFill>
-                <a:effectLst/>
-                <a:latin typeface="+mn-lt"/>
-                <a:ea typeface="+mn-ea"/>
-                <a:cs typeface="+mn-cs"/>
-              </a:rPr>
-              <a:t> von den </a:t>
-            </a:r>
-            <a:r>
-              <a:rPr lang="en-GB" sz="1200" b="0" i="0" u="none" strike="noStrike" kern="1200" dirty="0" err="1">
-                <a:solidFill>
-                  <a:schemeClr val="tx1"/>
-                </a:solidFill>
-                <a:effectLst/>
-                <a:latin typeface="+mn-lt"/>
-                <a:ea typeface="+mn-ea"/>
-                <a:cs typeface="+mn-cs"/>
-              </a:rPr>
-              <a:t>Entwicklern</a:t>
-            </a:r>
-            <a:r>
-              <a:rPr lang="en-GB" sz="1200" b="0" i="0" u="none" strike="noStrike" kern="1200" dirty="0">
-                <a:solidFill>
-                  <a:schemeClr val="tx1"/>
-                </a:solidFill>
-                <a:effectLst/>
-                <a:latin typeface="+mn-lt"/>
-                <a:ea typeface="+mn-ea"/>
-                <a:cs typeface="+mn-cs"/>
-              </a:rPr>
-              <a:t> </a:t>
-            </a:r>
-            <a:r>
-              <a:rPr lang="en-GB" sz="1200" b="0" i="0" u="none" strike="noStrike" kern="1200" dirty="0" err="1">
-                <a:solidFill>
-                  <a:schemeClr val="tx1"/>
-                </a:solidFill>
-                <a:effectLst/>
-                <a:latin typeface="+mn-lt"/>
-                <a:ea typeface="+mn-ea"/>
-                <a:cs typeface="+mn-cs"/>
-              </a:rPr>
-              <a:t>vorgesehen</a:t>
-            </a:r>
-            <a:r>
-              <a:rPr lang="en-GB" sz="1200" b="0" i="0" u="none" strike="noStrike" kern="1200" dirty="0">
-                <a:solidFill>
-                  <a:schemeClr val="tx1"/>
-                </a:solidFill>
-                <a:effectLst/>
-                <a:latin typeface="+mn-lt"/>
-                <a:ea typeface="+mn-ea"/>
-                <a:cs typeface="+mn-cs"/>
-              </a:rPr>
-              <a:t>. </a:t>
-            </a:r>
-            <a:r>
-              <a:rPr lang="en-GB" sz="1200" b="1" i="0" u="none" strike="noStrike" kern="1200" dirty="0">
-                <a:solidFill>
-                  <a:schemeClr val="tx1"/>
-                </a:solidFill>
-                <a:effectLst/>
-                <a:latin typeface="+mn-lt"/>
-                <a:ea typeface="+mn-ea"/>
-                <a:cs typeface="+mn-cs"/>
-              </a:rPr>
-              <a:t>Debugging</a:t>
-            </a:r>
-            <a:r>
-              <a:rPr lang="en-GB" sz="1200" b="0" i="0" u="none" strike="noStrike" kern="1200" dirty="0">
-                <a:solidFill>
-                  <a:schemeClr val="tx1"/>
-                </a:solidFill>
-                <a:effectLst/>
-                <a:latin typeface="+mn-lt"/>
-                <a:ea typeface="+mn-ea"/>
-                <a:cs typeface="+mn-cs"/>
-              </a:rPr>
-              <a:t> </a:t>
-            </a:r>
-            <a:r>
-              <a:rPr lang="en-GB" sz="1200" b="0" i="0" u="none" strike="noStrike" kern="1200" dirty="0" err="1">
-                <a:solidFill>
-                  <a:schemeClr val="tx1"/>
-                </a:solidFill>
-                <a:effectLst/>
-                <a:latin typeface="+mn-lt"/>
-                <a:ea typeface="+mn-ea"/>
-                <a:cs typeface="+mn-cs"/>
-              </a:rPr>
-              <a:t>ist</a:t>
-            </a:r>
-            <a:r>
-              <a:rPr lang="en-GB" sz="1200" b="0" i="0" u="none" strike="noStrike" kern="1200" dirty="0">
-                <a:solidFill>
-                  <a:schemeClr val="tx1"/>
-                </a:solidFill>
-                <a:effectLst/>
-                <a:latin typeface="+mn-lt"/>
-                <a:ea typeface="+mn-ea"/>
-                <a:cs typeface="+mn-cs"/>
-              </a:rPr>
-              <a:t> der </a:t>
-            </a:r>
-            <a:r>
-              <a:rPr lang="en-GB" sz="1200" b="0" i="0" u="none" strike="noStrike" kern="1200" dirty="0" err="1">
-                <a:solidFill>
-                  <a:schemeClr val="tx1"/>
-                </a:solidFill>
-                <a:effectLst/>
-                <a:latin typeface="+mn-lt"/>
-                <a:ea typeface="+mn-ea"/>
-                <a:cs typeface="+mn-cs"/>
-              </a:rPr>
-              <a:t>Prozess</a:t>
-            </a:r>
-            <a:r>
-              <a:rPr lang="en-GB" sz="1200" b="0" i="0" u="none" strike="noStrike" kern="1200" dirty="0">
-                <a:solidFill>
-                  <a:schemeClr val="tx1"/>
-                </a:solidFill>
-                <a:effectLst/>
-                <a:latin typeface="+mn-lt"/>
-                <a:ea typeface="+mn-ea"/>
-                <a:cs typeface="+mn-cs"/>
-              </a:rPr>
-              <a:t> </a:t>
-            </a:r>
-            <a:r>
-              <a:rPr lang="en-GB" sz="1200" b="0" i="0" u="none" strike="noStrike" kern="1200" dirty="0" err="1">
-                <a:solidFill>
-                  <a:schemeClr val="tx1"/>
-                </a:solidFill>
-                <a:effectLst/>
-                <a:latin typeface="+mn-lt"/>
-                <a:ea typeface="+mn-ea"/>
-                <a:cs typeface="+mn-cs"/>
-              </a:rPr>
-              <a:t>diese</a:t>
-            </a:r>
-            <a:r>
-              <a:rPr lang="en-GB" sz="1200" b="0" i="0" u="none" strike="noStrike" kern="1200" dirty="0">
-                <a:solidFill>
-                  <a:schemeClr val="tx1"/>
-                </a:solidFill>
-                <a:effectLst/>
-                <a:latin typeface="+mn-lt"/>
-                <a:ea typeface="+mn-ea"/>
-                <a:cs typeface="+mn-cs"/>
-              </a:rPr>
-              <a:t> Bugs </a:t>
-            </a:r>
-            <a:r>
-              <a:rPr lang="en-GB" sz="1200" b="0" i="0" u="none" strike="noStrike" kern="1200" dirty="0" err="1">
-                <a:solidFill>
-                  <a:schemeClr val="tx1"/>
-                </a:solidFill>
-                <a:effectLst/>
-                <a:latin typeface="+mn-lt"/>
-                <a:ea typeface="+mn-ea"/>
-                <a:cs typeface="+mn-cs"/>
-              </a:rPr>
-              <a:t>zu</a:t>
-            </a:r>
-            <a:r>
-              <a:rPr lang="en-GB" sz="1200" b="0" i="0" u="none" strike="noStrike" kern="1200" dirty="0">
-                <a:solidFill>
-                  <a:schemeClr val="tx1"/>
-                </a:solidFill>
-                <a:effectLst/>
-                <a:latin typeface="+mn-lt"/>
-                <a:ea typeface="+mn-ea"/>
-                <a:cs typeface="+mn-cs"/>
-              </a:rPr>
-              <a:t> </a:t>
-            </a:r>
-            <a:r>
-              <a:rPr lang="en-GB" sz="1200" b="0" i="0" u="none" strike="noStrike" kern="1200" dirty="0" err="1">
-                <a:solidFill>
-                  <a:schemeClr val="tx1"/>
-                </a:solidFill>
-                <a:effectLst/>
-                <a:latin typeface="+mn-lt"/>
-                <a:ea typeface="+mn-ea"/>
-                <a:cs typeface="+mn-cs"/>
-              </a:rPr>
-              <a:t>finden</a:t>
-            </a:r>
-            <a:r>
-              <a:rPr lang="en-GB" sz="1200" b="0" i="0" u="none" strike="noStrike" kern="1200" dirty="0">
-                <a:solidFill>
-                  <a:schemeClr val="tx1"/>
-                </a:solidFill>
-                <a:effectLst/>
-                <a:latin typeface="+mn-lt"/>
-                <a:ea typeface="+mn-ea"/>
-                <a:cs typeface="+mn-cs"/>
-              </a:rPr>
-              <a:t> und </a:t>
-            </a:r>
-            <a:r>
-              <a:rPr lang="en-GB" sz="1200" b="0" i="0" u="none" strike="noStrike" kern="1200" dirty="0" err="1">
-                <a:solidFill>
-                  <a:schemeClr val="tx1"/>
-                </a:solidFill>
-                <a:effectLst/>
-                <a:latin typeface="+mn-lt"/>
-                <a:ea typeface="+mn-ea"/>
-                <a:cs typeface="+mn-cs"/>
-              </a:rPr>
-              <a:t>zu</a:t>
-            </a:r>
-            <a:r>
-              <a:rPr lang="en-GB" sz="1200" b="0" i="0" u="none" strike="noStrike" kern="1200" dirty="0">
-                <a:solidFill>
-                  <a:schemeClr val="tx1"/>
-                </a:solidFill>
-                <a:effectLst/>
-                <a:latin typeface="+mn-lt"/>
-                <a:ea typeface="+mn-ea"/>
-                <a:cs typeface="+mn-cs"/>
-              </a:rPr>
-              <a:t> </a:t>
-            </a:r>
-            <a:r>
-              <a:rPr lang="en-GB" sz="1200" b="0" i="0" u="none" strike="noStrike" kern="1200" dirty="0" err="1">
-                <a:solidFill>
-                  <a:schemeClr val="tx1"/>
-                </a:solidFill>
-                <a:effectLst/>
-                <a:latin typeface="+mn-lt"/>
-                <a:ea typeface="+mn-ea"/>
-                <a:cs typeface="+mn-cs"/>
-              </a:rPr>
-              <a:t>beheben</a:t>
-            </a:r>
-            <a:r>
-              <a:rPr lang="en-GB" sz="1200" b="0" i="0" u="none" strike="noStrike" kern="1200" dirty="0">
-                <a:solidFill>
-                  <a:schemeClr val="tx1"/>
-                </a:solidFill>
-                <a:effectLst/>
-                <a:latin typeface="+mn-lt"/>
-                <a:ea typeface="+mn-ea"/>
-                <a:cs typeface="+mn-cs"/>
-              </a:rPr>
-              <a:t>.</a:t>
-            </a:r>
-          </a:p>
-          <a:p>
-            <a:r>
-              <a:rPr lang="en-GB" sz="1200" b="0" i="0" u="none" strike="noStrike" kern="1200" dirty="0">
-                <a:solidFill>
-                  <a:schemeClr val="tx1"/>
-                </a:solidFill>
-                <a:effectLst/>
-                <a:latin typeface="+mn-lt"/>
-                <a:ea typeface="+mn-ea"/>
-                <a:cs typeface="+mn-cs"/>
-              </a:rPr>
-              <a:t>Der Name Bug </a:t>
-            </a:r>
-            <a:r>
-              <a:rPr lang="en-GB" sz="1200" b="0" i="0" u="none" strike="noStrike" kern="1200" dirty="0" err="1">
-                <a:solidFill>
-                  <a:schemeClr val="tx1"/>
-                </a:solidFill>
-                <a:effectLst/>
-                <a:latin typeface="+mn-lt"/>
-                <a:ea typeface="+mn-ea"/>
-                <a:cs typeface="+mn-cs"/>
-              </a:rPr>
-              <a:t>geht</a:t>
-            </a:r>
-            <a:r>
-              <a:rPr lang="en-GB" sz="1200" b="0" i="0" u="none" strike="noStrike" kern="1200" dirty="0">
-                <a:solidFill>
-                  <a:schemeClr val="tx1"/>
-                </a:solidFill>
-                <a:effectLst/>
-                <a:latin typeface="+mn-lt"/>
-                <a:ea typeface="+mn-ea"/>
-                <a:cs typeface="+mn-cs"/>
-              </a:rPr>
-              <a:t> </a:t>
-            </a:r>
-            <a:r>
-              <a:rPr lang="en-GB" sz="1200" b="0" i="0" u="none" strike="noStrike" kern="1200" dirty="0" err="1">
-                <a:solidFill>
-                  <a:schemeClr val="tx1"/>
-                </a:solidFill>
-                <a:effectLst/>
-                <a:latin typeface="+mn-lt"/>
-                <a:ea typeface="+mn-ea"/>
-                <a:cs typeface="+mn-cs"/>
-              </a:rPr>
-              <a:t>möglicherweise</a:t>
-            </a:r>
-            <a:r>
-              <a:rPr lang="en-GB" sz="1200" b="0" i="0" u="none" strike="noStrike" kern="1200" dirty="0">
-                <a:solidFill>
-                  <a:schemeClr val="tx1"/>
-                </a:solidFill>
-                <a:effectLst/>
-                <a:latin typeface="+mn-lt"/>
-                <a:ea typeface="+mn-ea"/>
-                <a:cs typeface="+mn-cs"/>
-              </a:rPr>
-              <a:t> auf </a:t>
-            </a:r>
-            <a:r>
-              <a:rPr lang="en-GB" sz="1200" b="0" i="0" u="none" strike="noStrike" kern="1200" dirty="0" err="1">
-                <a:solidFill>
-                  <a:schemeClr val="tx1"/>
-                </a:solidFill>
-                <a:effectLst/>
-                <a:latin typeface="+mn-lt"/>
-                <a:ea typeface="+mn-ea"/>
-                <a:cs typeface="+mn-cs"/>
-              </a:rPr>
-              <a:t>ein</a:t>
-            </a:r>
-            <a:r>
-              <a:rPr lang="en-GB" sz="1200" b="0" i="0" u="none" strike="noStrike" kern="1200" dirty="0">
-                <a:solidFill>
-                  <a:schemeClr val="tx1"/>
-                </a:solidFill>
-                <a:effectLst/>
-                <a:latin typeface="+mn-lt"/>
-                <a:ea typeface="+mn-ea"/>
-                <a:cs typeface="+mn-cs"/>
-              </a:rPr>
-              <a:t> </a:t>
-            </a:r>
-            <a:r>
-              <a:rPr lang="en-GB" sz="1200" b="0" i="0" u="none" strike="noStrike" kern="1200" dirty="0" err="1">
-                <a:solidFill>
-                  <a:schemeClr val="tx1"/>
-                </a:solidFill>
-                <a:effectLst/>
-                <a:latin typeface="+mn-lt"/>
-                <a:ea typeface="+mn-ea"/>
-                <a:cs typeface="+mn-cs"/>
-              </a:rPr>
-              <a:t>echtes</a:t>
-            </a:r>
-            <a:r>
-              <a:rPr lang="en-GB" sz="1200" b="0" i="0" u="none" strike="noStrike" kern="1200" dirty="0">
-                <a:solidFill>
-                  <a:schemeClr val="tx1"/>
-                </a:solidFill>
-                <a:effectLst/>
-                <a:latin typeface="+mn-lt"/>
-                <a:ea typeface="+mn-ea"/>
-                <a:cs typeface="+mn-cs"/>
-              </a:rPr>
-              <a:t> </a:t>
-            </a:r>
-            <a:r>
-              <a:rPr lang="en-GB" sz="1200" b="0" i="0" u="none" strike="noStrike" kern="1200" dirty="0" err="1">
-                <a:solidFill>
-                  <a:schemeClr val="tx1"/>
-                </a:solidFill>
-                <a:effectLst/>
-                <a:latin typeface="+mn-lt"/>
-                <a:ea typeface="+mn-ea"/>
-                <a:cs typeface="+mn-cs"/>
-              </a:rPr>
-              <a:t>Insekt</a:t>
-            </a:r>
-            <a:r>
-              <a:rPr lang="en-GB" sz="1200" b="0" i="0" u="none" strike="noStrike" kern="1200" dirty="0">
-                <a:solidFill>
-                  <a:schemeClr val="tx1"/>
-                </a:solidFill>
-                <a:effectLst/>
-                <a:latin typeface="+mn-lt"/>
-                <a:ea typeface="+mn-ea"/>
-                <a:cs typeface="+mn-cs"/>
-              </a:rPr>
-              <a:t> </a:t>
-            </a:r>
-            <a:r>
-              <a:rPr lang="en-GB" sz="1200" b="0" i="0" u="none" strike="noStrike" kern="1200" dirty="0" err="1">
-                <a:solidFill>
-                  <a:schemeClr val="tx1"/>
-                </a:solidFill>
-                <a:effectLst/>
-                <a:latin typeface="+mn-lt"/>
-                <a:ea typeface="+mn-ea"/>
-                <a:cs typeface="+mn-cs"/>
-              </a:rPr>
-              <a:t>zurück</a:t>
-            </a:r>
-            <a:r>
-              <a:rPr lang="en-GB" sz="1200" b="0" i="0" u="none" strike="noStrike" kern="1200" dirty="0">
-                <a:solidFill>
-                  <a:schemeClr val="tx1"/>
-                </a:solidFill>
-                <a:effectLst/>
-                <a:latin typeface="+mn-lt"/>
-                <a:ea typeface="+mn-ea"/>
-                <a:cs typeface="+mn-cs"/>
-              </a:rPr>
-              <a:t>, das 1947 in </a:t>
-            </a:r>
-            <a:r>
-              <a:rPr lang="en-GB" sz="1200" b="0" i="0" u="none" strike="noStrike" kern="1200" dirty="0" err="1">
-                <a:solidFill>
-                  <a:schemeClr val="tx1"/>
-                </a:solidFill>
-                <a:effectLst/>
-                <a:latin typeface="+mn-lt"/>
-                <a:ea typeface="+mn-ea"/>
-                <a:cs typeface="+mn-cs"/>
-              </a:rPr>
-              <a:t>dem</a:t>
-            </a:r>
-            <a:r>
-              <a:rPr lang="en-GB" sz="1200" b="0" i="0" u="none" strike="noStrike" kern="1200" dirty="0">
-                <a:solidFill>
-                  <a:schemeClr val="tx1"/>
-                </a:solidFill>
-                <a:effectLst/>
-                <a:latin typeface="+mn-lt"/>
-                <a:ea typeface="+mn-ea"/>
-                <a:cs typeface="+mn-cs"/>
-              </a:rPr>
-              <a:t> Supercomputer Harvard Mark II </a:t>
-            </a:r>
-            <a:r>
-              <a:rPr lang="en-GB" sz="1200" b="0" i="0" u="none" strike="noStrike" kern="1200" dirty="0" err="1">
-                <a:solidFill>
-                  <a:schemeClr val="tx1"/>
-                </a:solidFill>
-                <a:effectLst/>
-                <a:latin typeface="+mn-lt"/>
-                <a:ea typeface="+mn-ea"/>
-                <a:cs typeface="+mn-cs"/>
-              </a:rPr>
-              <a:t>gefunden</a:t>
-            </a:r>
-            <a:r>
-              <a:rPr lang="en-GB" sz="1200" b="0" i="0" u="none" strike="noStrike" kern="1200" dirty="0">
-                <a:solidFill>
-                  <a:schemeClr val="tx1"/>
-                </a:solidFill>
-                <a:effectLst/>
-                <a:latin typeface="+mn-lt"/>
-                <a:ea typeface="+mn-ea"/>
-                <a:cs typeface="+mn-cs"/>
-              </a:rPr>
-              <a:t> </a:t>
-            </a:r>
-            <a:r>
-              <a:rPr lang="en-GB" sz="1200" b="0" i="0" u="none" strike="noStrike" kern="1200" dirty="0" err="1">
-                <a:solidFill>
-                  <a:schemeClr val="tx1"/>
-                </a:solidFill>
-                <a:effectLst/>
-                <a:latin typeface="+mn-lt"/>
-                <a:ea typeface="+mn-ea"/>
-                <a:cs typeface="+mn-cs"/>
-              </a:rPr>
-              <a:t>wurde</a:t>
-            </a:r>
-            <a:r>
-              <a:rPr lang="en-GB" sz="1200" b="0" i="0" u="none" strike="noStrike" kern="1200" dirty="0">
-                <a:solidFill>
-                  <a:schemeClr val="tx1"/>
-                </a:solidFill>
-                <a:effectLst/>
-                <a:latin typeface="+mn-lt"/>
-                <a:ea typeface="+mn-ea"/>
-                <a:cs typeface="+mn-cs"/>
-              </a:rPr>
-              <a:t> und das </a:t>
-            </a:r>
-            <a:r>
-              <a:rPr lang="en-GB" sz="1200" b="0" i="0" u="none" strike="noStrike" kern="1200" dirty="0" err="1">
-                <a:solidFill>
-                  <a:schemeClr val="tx1"/>
-                </a:solidFill>
-                <a:effectLst/>
-                <a:latin typeface="+mn-lt"/>
-                <a:ea typeface="+mn-ea"/>
-                <a:cs typeface="+mn-cs"/>
-              </a:rPr>
-              <a:t>einen</a:t>
-            </a:r>
-            <a:r>
-              <a:rPr lang="en-GB" sz="1200" b="0" i="0" u="none" strike="noStrike" kern="1200" dirty="0">
-                <a:solidFill>
-                  <a:schemeClr val="tx1"/>
-                </a:solidFill>
-                <a:effectLst/>
-                <a:latin typeface="+mn-lt"/>
-                <a:ea typeface="+mn-ea"/>
-                <a:cs typeface="+mn-cs"/>
-              </a:rPr>
-              <a:t> </a:t>
-            </a:r>
-            <a:r>
-              <a:rPr lang="en-GB" sz="1200" b="0" i="0" u="none" strike="noStrike" kern="1200" dirty="0" err="1">
-                <a:solidFill>
-                  <a:schemeClr val="tx1"/>
-                </a:solidFill>
-                <a:effectLst/>
-                <a:latin typeface="+mn-lt"/>
-                <a:ea typeface="+mn-ea"/>
-                <a:cs typeface="+mn-cs"/>
-              </a:rPr>
-              <a:t>Fehler</a:t>
-            </a:r>
-            <a:r>
-              <a:rPr lang="en-GB" sz="1200" b="0" i="0" u="none" strike="noStrike" kern="1200" dirty="0">
-                <a:solidFill>
-                  <a:schemeClr val="tx1"/>
-                </a:solidFill>
-                <a:effectLst/>
-                <a:latin typeface="+mn-lt"/>
-                <a:ea typeface="+mn-ea"/>
-                <a:cs typeface="+mn-cs"/>
-              </a:rPr>
-              <a:t> des Supercomputers </a:t>
-            </a:r>
-            <a:r>
-              <a:rPr lang="en-GB" sz="1200" b="0" i="0" u="none" strike="noStrike" kern="1200" dirty="0" err="1">
-                <a:solidFill>
-                  <a:schemeClr val="tx1"/>
-                </a:solidFill>
-                <a:effectLst/>
-                <a:latin typeface="+mn-lt"/>
-                <a:ea typeface="+mn-ea"/>
-                <a:cs typeface="+mn-cs"/>
-              </a:rPr>
-              <a:t>verursachte</a:t>
-            </a:r>
-            <a:r>
-              <a:rPr lang="en-GB" sz="1200" b="0" i="0" u="none" strike="noStrike" kern="1200" dirty="0">
-                <a:solidFill>
-                  <a:schemeClr val="tx1"/>
-                </a:solidFill>
-                <a:effectLst/>
-                <a:latin typeface="+mn-lt"/>
-                <a:ea typeface="+mn-ea"/>
-                <a:cs typeface="+mn-cs"/>
-              </a:rPr>
-              <a:t> (</a:t>
-            </a:r>
-            <a:r>
-              <a:rPr lang="en-GB" sz="1200" b="0" i="0" u="none" strike="noStrike" kern="1200" dirty="0">
-                <a:solidFill>
-                  <a:schemeClr val="tx1"/>
-                </a:solidFill>
-                <a:effectLst/>
-                <a:latin typeface="+mn-lt"/>
-                <a:ea typeface="+mn-ea"/>
-                <a:cs typeface="+mn-cs"/>
-                <a:hlinkClick r:id="rId3"/>
-              </a:rPr>
-              <a:t>https://en.wikipedia.org/wiki/Harvard_Mark_II</a:t>
-            </a:r>
-            <a:r>
-              <a:rPr lang="en-GB" sz="1200" b="0" i="0" u="none" strike="noStrike" kern="1200" dirty="0">
-                <a:solidFill>
-                  <a:schemeClr val="tx1"/>
-                </a:solidFill>
-                <a:effectLst/>
-                <a:latin typeface="+mn-lt"/>
-                <a:ea typeface="+mn-ea"/>
-                <a:cs typeface="+mn-cs"/>
-              </a:rPr>
-              <a:t>):</a:t>
-            </a:r>
-          </a:p>
-          <a:p>
-            <a:endParaRPr lang="de-DE" dirty="0"/>
+              <a:rPr lang="de-DE" dirty="0" err="1"/>
+              <a:t>note</a:t>
+            </a:r>
+            <a:r>
+              <a:rPr lang="de-DE" dirty="0"/>
+              <a:t>)</a:t>
+            </a:r>
           </a:p>
         </p:txBody>
       </p:sp>
@@ -1394,7 +609,7 @@
     </p:spTree>
     <p:extLst>
       <p:ext uri="{BB962C8B-B14F-4D97-AF65-F5344CB8AC3E}">
-        <p14:creationId xmlns:p14="http://schemas.microsoft.com/office/powerpoint/2010/main" val="2393640624"/>
+        <p14:creationId xmlns:p14="http://schemas.microsoft.com/office/powerpoint/2010/main" val="1377349805"/>
       </p:ext>
     </p:extLst>
   </p:cSld>
@@ -1449,17 +664,839 @@
           <a:lstStyle/>
           <a:p>
             <a:r>
-              <a:rPr lang="de-DE" dirty="0"/>
-              <a:t>Hier erst Demo mit Umschütten der Gläser, dann Codebeispiel und Bug – Danach </a:t>
-            </a:r>
-            <a:r>
-              <a:rPr lang="de-DE" dirty="0" err="1"/>
-              <a:t>swap.py</a:t>
-            </a:r>
-            <a:r>
-              <a:rPr lang="de-DE" dirty="0"/>
-              <a:t> Demo</a:t>
-            </a:r>
+              <a:rPr lang="en-GB" sz="1200" b="1" i="0" u="none" strike="noStrike" kern="1200" dirty="0">
+                <a:solidFill>
+                  <a:schemeClr val="tx1"/>
+                </a:solidFill>
+                <a:effectLst/>
+                <a:latin typeface="+mn-lt"/>
+                <a:ea typeface="+mn-ea"/>
+                <a:cs typeface="+mn-cs"/>
+              </a:rPr>
+              <a:t>Bugs</a:t>
+            </a:r>
+            <a:r>
+              <a:rPr lang="en-GB" sz="1200" b="0" i="0" u="none" strike="noStrike" kern="1200" dirty="0">
+                <a:solidFill>
+                  <a:schemeClr val="tx1"/>
+                </a:solidFill>
+                <a:effectLst/>
+                <a:latin typeface="+mn-lt"/>
+                <a:ea typeface="+mn-ea"/>
+                <a:cs typeface="+mn-cs"/>
+              </a:rPr>
+              <a:t> </a:t>
+            </a:r>
+            <a:r>
+              <a:rPr lang="en-GB" sz="1200" b="0" i="0" u="none" strike="noStrike" kern="1200" dirty="0" err="1">
+                <a:solidFill>
+                  <a:schemeClr val="tx1"/>
+                </a:solidFill>
+                <a:effectLst/>
+                <a:latin typeface="+mn-lt"/>
+                <a:ea typeface="+mn-ea"/>
+                <a:cs typeface="+mn-cs"/>
+              </a:rPr>
+              <a:t>sind</a:t>
+            </a:r>
+            <a:r>
+              <a:rPr lang="en-GB" sz="1200" b="0" i="0" u="none" strike="noStrike" kern="1200" dirty="0">
+                <a:solidFill>
+                  <a:schemeClr val="tx1"/>
+                </a:solidFill>
+                <a:effectLst/>
+                <a:latin typeface="+mn-lt"/>
+                <a:ea typeface="+mn-ea"/>
+                <a:cs typeface="+mn-cs"/>
+              </a:rPr>
+              <a:t> </a:t>
+            </a:r>
+            <a:r>
+              <a:rPr lang="en-GB" sz="1200" b="0" i="0" u="none" strike="noStrike" kern="1200" dirty="0" err="1">
+                <a:solidFill>
+                  <a:schemeClr val="tx1"/>
+                </a:solidFill>
+                <a:effectLst/>
+                <a:latin typeface="+mn-lt"/>
+                <a:ea typeface="+mn-ea"/>
+                <a:cs typeface="+mn-cs"/>
+              </a:rPr>
+              <a:t>Fehler</a:t>
+            </a:r>
+            <a:r>
+              <a:rPr lang="en-GB" sz="1200" b="0" i="0" u="none" strike="noStrike" kern="1200" dirty="0">
+                <a:solidFill>
+                  <a:schemeClr val="tx1"/>
+                </a:solidFill>
+                <a:effectLst/>
+                <a:latin typeface="+mn-lt"/>
+                <a:ea typeface="+mn-ea"/>
+                <a:cs typeface="+mn-cs"/>
+              </a:rPr>
+              <a:t> in </a:t>
+            </a:r>
+            <a:r>
+              <a:rPr lang="en-GB" sz="1200" b="0" i="0" u="none" strike="noStrike" kern="1200" dirty="0" err="1">
+                <a:solidFill>
+                  <a:schemeClr val="tx1"/>
+                </a:solidFill>
+                <a:effectLst/>
+                <a:latin typeface="+mn-lt"/>
+                <a:ea typeface="+mn-ea"/>
+                <a:cs typeface="+mn-cs"/>
+              </a:rPr>
+              <a:t>Programmen</a:t>
+            </a:r>
+            <a:r>
+              <a:rPr lang="en-GB" sz="1200" b="0" i="0" u="none" strike="noStrike" kern="1200" dirty="0">
+                <a:solidFill>
+                  <a:schemeClr val="tx1"/>
+                </a:solidFill>
+                <a:effectLst/>
+                <a:latin typeface="+mn-lt"/>
+                <a:ea typeface="+mn-ea"/>
+                <a:cs typeface="+mn-cs"/>
+              </a:rPr>
+              <a:t>, die </a:t>
+            </a:r>
+            <a:r>
+              <a:rPr lang="en-GB" sz="1200" b="0" i="0" u="none" strike="noStrike" kern="1200" dirty="0" err="1">
+                <a:solidFill>
+                  <a:schemeClr val="tx1"/>
+                </a:solidFill>
+                <a:effectLst/>
+                <a:latin typeface="+mn-lt"/>
+                <a:ea typeface="+mn-ea"/>
+                <a:cs typeface="+mn-cs"/>
+              </a:rPr>
+              <a:t>dazu</a:t>
+            </a:r>
+            <a:r>
+              <a:rPr lang="en-GB" sz="1200" b="0" i="0" u="none" strike="noStrike" kern="1200" dirty="0">
+                <a:solidFill>
+                  <a:schemeClr val="tx1"/>
+                </a:solidFill>
+                <a:effectLst/>
+                <a:latin typeface="+mn-lt"/>
+                <a:ea typeface="+mn-ea"/>
+                <a:cs typeface="+mn-cs"/>
+              </a:rPr>
+              <a:t> </a:t>
+            </a:r>
+            <a:r>
+              <a:rPr lang="en-GB" sz="1200" b="0" i="0" u="none" strike="noStrike" kern="1200" dirty="0" err="1">
+                <a:solidFill>
+                  <a:schemeClr val="tx1"/>
+                </a:solidFill>
+                <a:effectLst/>
+                <a:latin typeface="+mn-lt"/>
+                <a:ea typeface="+mn-ea"/>
+                <a:cs typeface="+mn-cs"/>
+              </a:rPr>
+              <a:t>führen</a:t>
+            </a:r>
+            <a:r>
+              <a:rPr lang="en-GB" sz="1200" b="0" i="0" u="none" strike="noStrike" kern="1200" dirty="0">
+                <a:solidFill>
+                  <a:schemeClr val="tx1"/>
+                </a:solidFill>
+                <a:effectLst/>
+                <a:latin typeface="+mn-lt"/>
+                <a:ea typeface="+mn-ea"/>
+                <a:cs typeface="+mn-cs"/>
+              </a:rPr>
+              <a:t>, </a:t>
+            </a:r>
+            <a:r>
+              <a:rPr lang="en-GB" sz="1200" b="0" i="0" u="none" strike="noStrike" kern="1200" dirty="0" err="1">
+                <a:solidFill>
+                  <a:schemeClr val="tx1"/>
+                </a:solidFill>
+                <a:effectLst/>
+                <a:latin typeface="+mn-lt"/>
+                <a:ea typeface="+mn-ea"/>
+                <a:cs typeface="+mn-cs"/>
+              </a:rPr>
+              <a:t>dass</a:t>
+            </a:r>
+            <a:r>
+              <a:rPr lang="en-GB" sz="1200" b="0" i="0" u="none" strike="noStrike" kern="1200" dirty="0">
+                <a:solidFill>
+                  <a:schemeClr val="tx1"/>
+                </a:solidFill>
+                <a:effectLst/>
+                <a:latin typeface="+mn-lt"/>
+                <a:ea typeface="+mn-ea"/>
+                <a:cs typeface="+mn-cs"/>
+              </a:rPr>
+              <a:t> das </a:t>
+            </a:r>
+            <a:r>
+              <a:rPr lang="en-GB" sz="1200" b="0" i="0" u="none" strike="noStrike" kern="1200" dirty="0" err="1">
+                <a:solidFill>
+                  <a:schemeClr val="tx1"/>
+                </a:solidFill>
+                <a:effectLst/>
+                <a:latin typeface="+mn-lt"/>
+                <a:ea typeface="+mn-ea"/>
+                <a:cs typeface="+mn-cs"/>
+              </a:rPr>
+              <a:t>Programm</a:t>
+            </a:r>
+            <a:r>
+              <a:rPr lang="en-GB" sz="1200" b="0" i="0" u="none" strike="noStrike" kern="1200" dirty="0">
+                <a:solidFill>
+                  <a:schemeClr val="tx1"/>
+                </a:solidFill>
+                <a:effectLst/>
+                <a:latin typeface="+mn-lt"/>
+                <a:ea typeface="+mn-ea"/>
+                <a:cs typeface="+mn-cs"/>
+              </a:rPr>
+              <a:t> </a:t>
+            </a:r>
+            <a:r>
+              <a:rPr lang="en-GB" sz="1200" b="0" i="0" u="none" strike="noStrike" kern="1200" dirty="0" err="1">
+                <a:solidFill>
+                  <a:schemeClr val="tx1"/>
+                </a:solidFill>
+                <a:effectLst/>
+                <a:latin typeface="+mn-lt"/>
+                <a:ea typeface="+mn-ea"/>
+                <a:cs typeface="+mn-cs"/>
+              </a:rPr>
+              <a:t>etwas</a:t>
+            </a:r>
+            <a:r>
+              <a:rPr lang="en-GB" sz="1200" b="0" i="0" u="none" strike="noStrike" kern="1200" dirty="0">
+                <a:solidFill>
+                  <a:schemeClr val="tx1"/>
+                </a:solidFill>
+                <a:effectLst/>
+                <a:latin typeface="+mn-lt"/>
+                <a:ea typeface="+mn-ea"/>
+                <a:cs typeface="+mn-cs"/>
+              </a:rPr>
+              <a:t> </a:t>
+            </a:r>
+            <a:r>
+              <a:rPr lang="en-GB" sz="1200" b="0" i="0" u="none" strike="noStrike" kern="1200" dirty="0" err="1">
+                <a:solidFill>
+                  <a:schemeClr val="tx1"/>
+                </a:solidFill>
+                <a:effectLst/>
+                <a:latin typeface="+mn-lt"/>
+                <a:ea typeface="+mn-ea"/>
+                <a:cs typeface="+mn-cs"/>
+              </a:rPr>
+              <a:t>anderes</a:t>
+            </a:r>
+            <a:r>
+              <a:rPr lang="en-GB" sz="1200" b="0" i="0" u="none" strike="noStrike" kern="1200" dirty="0">
+                <a:solidFill>
+                  <a:schemeClr val="tx1"/>
+                </a:solidFill>
+                <a:effectLst/>
+                <a:latin typeface="+mn-lt"/>
+                <a:ea typeface="+mn-ea"/>
+                <a:cs typeface="+mn-cs"/>
+              </a:rPr>
+              <a:t> tut </a:t>
+            </a:r>
+            <a:r>
+              <a:rPr lang="en-GB" sz="1200" b="0" i="0" u="none" strike="noStrike" kern="1200" dirty="0" err="1">
+                <a:solidFill>
+                  <a:schemeClr val="tx1"/>
+                </a:solidFill>
+                <a:effectLst/>
+                <a:latin typeface="+mn-lt"/>
+                <a:ea typeface="+mn-ea"/>
+                <a:cs typeface="+mn-cs"/>
+              </a:rPr>
+              <a:t>als</a:t>
+            </a:r>
+            <a:r>
+              <a:rPr lang="en-GB" sz="1200" b="0" i="0" u="none" strike="noStrike" kern="1200" dirty="0">
+                <a:solidFill>
+                  <a:schemeClr val="tx1"/>
+                </a:solidFill>
+                <a:effectLst/>
+                <a:latin typeface="+mn-lt"/>
+                <a:ea typeface="+mn-ea"/>
+                <a:cs typeface="+mn-cs"/>
+              </a:rPr>
+              <a:t> von den </a:t>
+            </a:r>
+            <a:r>
+              <a:rPr lang="en-GB" sz="1200" b="0" i="0" u="none" strike="noStrike" kern="1200" dirty="0" err="1">
+                <a:solidFill>
+                  <a:schemeClr val="tx1"/>
+                </a:solidFill>
+                <a:effectLst/>
+                <a:latin typeface="+mn-lt"/>
+                <a:ea typeface="+mn-ea"/>
+                <a:cs typeface="+mn-cs"/>
+              </a:rPr>
+              <a:t>Entwicklern</a:t>
+            </a:r>
+            <a:r>
+              <a:rPr lang="en-GB" sz="1200" b="0" i="0" u="none" strike="noStrike" kern="1200" dirty="0">
+                <a:solidFill>
+                  <a:schemeClr val="tx1"/>
+                </a:solidFill>
+                <a:effectLst/>
+                <a:latin typeface="+mn-lt"/>
+                <a:ea typeface="+mn-ea"/>
+                <a:cs typeface="+mn-cs"/>
+              </a:rPr>
+              <a:t> </a:t>
+            </a:r>
+            <a:r>
+              <a:rPr lang="en-GB" sz="1200" b="0" i="0" u="none" strike="noStrike" kern="1200" dirty="0" err="1">
+                <a:solidFill>
+                  <a:schemeClr val="tx1"/>
+                </a:solidFill>
+                <a:effectLst/>
+                <a:latin typeface="+mn-lt"/>
+                <a:ea typeface="+mn-ea"/>
+                <a:cs typeface="+mn-cs"/>
+              </a:rPr>
+              <a:t>vorgesehen</a:t>
+            </a:r>
+            <a:r>
+              <a:rPr lang="en-GB" sz="1200" b="0" i="0" u="none" strike="noStrike" kern="1200" dirty="0">
+                <a:solidFill>
+                  <a:schemeClr val="tx1"/>
+                </a:solidFill>
+                <a:effectLst/>
+                <a:latin typeface="+mn-lt"/>
+                <a:ea typeface="+mn-ea"/>
+                <a:cs typeface="+mn-cs"/>
+              </a:rPr>
+              <a:t>. </a:t>
+            </a:r>
+            <a:r>
+              <a:rPr lang="en-GB" sz="1200" b="1" i="0" u="none" strike="noStrike" kern="1200" dirty="0">
+                <a:solidFill>
+                  <a:schemeClr val="tx1"/>
+                </a:solidFill>
+                <a:effectLst/>
+                <a:latin typeface="+mn-lt"/>
+                <a:ea typeface="+mn-ea"/>
+                <a:cs typeface="+mn-cs"/>
+              </a:rPr>
+              <a:t>Debugging</a:t>
+            </a:r>
+            <a:r>
+              <a:rPr lang="en-GB" sz="1200" b="0" i="0" u="none" strike="noStrike" kern="1200" dirty="0">
+                <a:solidFill>
+                  <a:schemeClr val="tx1"/>
+                </a:solidFill>
+                <a:effectLst/>
+                <a:latin typeface="+mn-lt"/>
+                <a:ea typeface="+mn-ea"/>
+                <a:cs typeface="+mn-cs"/>
+              </a:rPr>
+              <a:t> </a:t>
+            </a:r>
+            <a:r>
+              <a:rPr lang="en-GB" sz="1200" b="0" i="0" u="none" strike="noStrike" kern="1200" dirty="0" err="1">
+                <a:solidFill>
+                  <a:schemeClr val="tx1"/>
+                </a:solidFill>
+                <a:effectLst/>
+                <a:latin typeface="+mn-lt"/>
+                <a:ea typeface="+mn-ea"/>
+                <a:cs typeface="+mn-cs"/>
+              </a:rPr>
+              <a:t>ist</a:t>
+            </a:r>
+            <a:r>
+              <a:rPr lang="en-GB" sz="1200" b="0" i="0" u="none" strike="noStrike" kern="1200" dirty="0">
+                <a:solidFill>
+                  <a:schemeClr val="tx1"/>
+                </a:solidFill>
+                <a:effectLst/>
+                <a:latin typeface="+mn-lt"/>
+                <a:ea typeface="+mn-ea"/>
+                <a:cs typeface="+mn-cs"/>
+              </a:rPr>
+              <a:t> der </a:t>
+            </a:r>
+            <a:r>
+              <a:rPr lang="en-GB" sz="1200" b="0" i="0" u="none" strike="noStrike" kern="1200" dirty="0" err="1">
+                <a:solidFill>
+                  <a:schemeClr val="tx1"/>
+                </a:solidFill>
+                <a:effectLst/>
+                <a:latin typeface="+mn-lt"/>
+                <a:ea typeface="+mn-ea"/>
+                <a:cs typeface="+mn-cs"/>
+              </a:rPr>
+              <a:t>Prozess</a:t>
+            </a:r>
+            <a:r>
+              <a:rPr lang="en-GB" sz="1200" b="0" i="0" u="none" strike="noStrike" kern="1200" dirty="0">
+                <a:solidFill>
+                  <a:schemeClr val="tx1"/>
+                </a:solidFill>
+                <a:effectLst/>
+                <a:latin typeface="+mn-lt"/>
+                <a:ea typeface="+mn-ea"/>
+                <a:cs typeface="+mn-cs"/>
+              </a:rPr>
+              <a:t> </a:t>
+            </a:r>
+            <a:r>
+              <a:rPr lang="en-GB" sz="1200" b="0" i="0" u="none" strike="noStrike" kern="1200" dirty="0" err="1">
+                <a:solidFill>
+                  <a:schemeClr val="tx1"/>
+                </a:solidFill>
+                <a:effectLst/>
+                <a:latin typeface="+mn-lt"/>
+                <a:ea typeface="+mn-ea"/>
+                <a:cs typeface="+mn-cs"/>
+              </a:rPr>
+              <a:t>diese</a:t>
+            </a:r>
+            <a:r>
+              <a:rPr lang="en-GB" sz="1200" b="0" i="0" u="none" strike="noStrike" kern="1200" dirty="0">
+                <a:solidFill>
+                  <a:schemeClr val="tx1"/>
+                </a:solidFill>
+                <a:effectLst/>
+                <a:latin typeface="+mn-lt"/>
+                <a:ea typeface="+mn-ea"/>
+                <a:cs typeface="+mn-cs"/>
+              </a:rPr>
+              <a:t> Bugs </a:t>
+            </a:r>
+            <a:r>
+              <a:rPr lang="en-GB" sz="1200" b="0" i="0" u="none" strike="noStrike" kern="1200" dirty="0" err="1">
+                <a:solidFill>
+                  <a:schemeClr val="tx1"/>
+                </a:solidFill>
+                <a:effectLst/>
+                <a:latin typeface="+mn-lt"/>
+                <a:ea typeface="+mn-ea"/>
+                <a:cs typeface="+mn-cs"/>
+              </a:rPr>
+              <a:t>zu</a:t>
+            </a:r>
+            <a:r>
+              <a:rPr lang="en-GB" sz="1200" b="0" i="0" u="none" strike="noStrike" kern="1200" dirty="0">
+                <a:solidFill>
+                  <a:schemeClr val="tx1"/>
+                </a:solidFill>
+                <a:effectLst/>
+                <a:latin typeface="+mn-lt"/>
+                <a:ea typeface="+mn-ea"/>
+                <a:cs typeface="+mn-cs"/>
+              </a:rPr>
+              <a:t> </a:t>
+            </a:r>
+            <a:r>
+              <a:rPr lang="en-GB" sz="1200" b="0" i="0" u="none" strike="noStrike" kern="1200" dirty="0" err="1">
+                <a:solidFill>
+                  <a:schemeClr val="tx1"/>
+                </a:solidFill>
+                <a:effectLst/>
+                <a:latin typeface="+mn-lt"/>
+                <a:ea typeface="+mn-ea"/>
+                <a:cs typeface="+mn-cs"/>
+              </a:rPr>
+              <a:t>finden</a:t>
+            </a:r>
+            <a:r>
+              <a:rPr lang="en-GB" sz="1200" b="0" i="0" u="none" strike="noStrike" kern="1200" dirty="0">
+                <a:solidFill>
+                  <a:schemeClr val="tx1"/>
+                </a:solidFill>
+                <a:effectLst/>
+                <a:latin typeface="+mn-lt"/>
+                <a:ea typeface="+mn-ea"/>
+                <a:cs typeface="+mn-cs"/>
+              </a:rPr>
+              <a:t> und </a:t>
+            </a:r>
+            <a:r>
+              <a:rPr lang="en-GB" sz="1200" b="0" i="0" u="none" strike="noStrike" kern="1200" dirty="0" err="1">
+                <a:solidFill>
+                  <a:schemeClr val="tx1"/>
+                </a:solidFill>
+                <a:effectLst/>
+                <a:latin typeface="+mn-lt"/>
+                <a:ea typeface="+mn-ea"/>
+                <a:cs typeface="+mn-cs"/>
+              </a:rPr>
+              <a:t>zu</a:t>
+            </a:r>
+            <a:r>
+              <a:rPr lang="en-GB" sz="1200" b="0" i="0" u="none" strike="noStrike" kern="1200" dirty="0">
+                <a:solidFill>
+                  <a:schemeClr val="tx1"/>
+                </a:solidFill>
+                <a:effectLst/>
+                <a:latin typeface="+mn-lt"/>
+                <a:ea typeface="+mn-ea"/>
+                <a:cs typeface="+mn-cs"/>
+              </a:rPr>
+              <a:t> </a:t>
+            </a:r>
+            <a:r>
+              <a:rPr lang="en-GB" sz="1200" b="0" i="0" u="none" strike="noStrike" kern="1200" dirty="0" err="1">
+                <a:solidFill>
+                  <a:schemeClr val="tx1"/>
+                </a:solidFill>
+                <a:effectLst/>
+                <a:latin typeface="+mn-lt"/>
+                <a:ea typeface="+mn-ea"/>
+                <a:cs typeface="+mn-cs"/>
+              </a:rPr>
+              <a:t>beheben</a:t>
+            </a:r>
+            <a:r>
+              <a:rPr lang="en-GB" sz="1200" b="0" i="0" u="none" strike="noStrike" kern="1200" dirty="0">
+                <a:solidFill>
+                  <a:schemeClr val="tx1"/>
+                </a:solidFill>
+                <a:effectLst/>
+                <a:latin typeface="+mn-lt"/>
+                <a:ea typeface="+mn-ea"/>
+                <a:cs typeface="+mn-cs"/>
+              </a:rPr>
+              <a:t>.</a:t>
+            </a:r>
+          </a:p>
+          <a:p>
+            <a:r>
+              <a:rPr lang="en-GB" sz="1200" b="0" i="0" u="none" strike="noStrike" kern="1200" dirty="0">
+                <a:solidFill>
+                  <a:schemeClr val="tx1"/>
+                </a:solidFill>
+                <a:effectLst/>
+                <a:latin typeface="+mn-lt"/>
+                <a:ea typeface="+mn-ea"/>
+                <a:cs typeface="+mn-cs"/>
+              </a:rPr>
+              <a:t>Der Name Bug </a:t>
+            </a:r>
+            <a:r>
+              <a:rPr lang="en-GB" sz="1200" b="0" i="0" u="none" strike="noStrike" kern="1200" dirty="0" err="1">
+                <a:solidFill>
+                  <a:schemeClr val="tx1"/>
+                </a:solidFill>
+                <a:effectLst/>
+                <a:latin typeface="+mn-lt"/>
+                <a:ea typeface="+mn-ea"/>
+                <a:cs typeface="+mn-cs"/>
+              </a:rPr>
+              <a:t>geht</a:t>
+            </a:r>
+            <a:r>
+              <a:rPr lang="en-GB" sz="1200" b="0" i="0" u="none" strike="noStrike" kern="1200" dirty="0">
+                <a:solidFill>
+                  <a:schemeClr val="tx1"/>
+                </a:solidFill>
+                <a:effectLst/>
+                <a:latin typeface="+mn-lt"/>
+                <a:ea typeface="+mn-ea"/>
+                <a:cs typeface="+mn-cs"/>
+              </a:rPr>
+              <a:t> </a:t>
+            </a:r>
+            <a:r>
+              <a:rPr lang="en-GB" sz="1200" b="0" i="0" u="none" strike="noStrike" kern="1200" dirty="0" err="1">
+                <a:solidFill>
+                  <a:schemeClr val="tx1"/>
+                </a:solidFill>
+                <a:effectLst/>
+                <a:latin typeface="+mn-lt"/>
+                <a:ea typeface="+mn-ea"/>
+                <a:cs typeface="+mn-cs"/>
+              </a:rPr>
+              <a:t>möglicherweise</a:t>
+            </a:r>
+            <a:r>
+              <a:rPr lang="en-GB" sz="1200" b="0" i="0" u="none" strike="noStrike" kern="1200" dirty="0">
+                <a:solidFill>
+                  <a:schemeClr val="tx1"/>
+                </a:solidFill>
+                <a:effectLst/>
+                <a:latin typeface="+mn-lt"/>
+                <a:ea typeface="+mn-ea"/>
+                <a:cs typeface="+mn-cs"/>
+              </a:rPr>
+              <a:t> auf </a:t>
+            </a:r>
+            <a:r>
+              <a:rPr lang="en-GB" sz="1200" b="0" i="0" u="none" strike="noStrike" kern="1200" dirty="0" err="1">
+                <a:solidFill>
+                  <a:schemeClr val="tx1"/>
+                </a:solidFill>
+                <a:effectLst/>
+                <a:latin typeface="+mn-lt"/>
+                <a:ea typeface="+mn-ea"/>
+                <a:cs typeface="+mn-cs"/>
+              </a:rPr>
+              <a:t>ein</a:t>
+            </a:r>
+            <a:r>
+              <a:rPr lang="en-GB" sz="1200" b="0" i="0" u="none" strike="noStrike" kern="1200" dirty="0">
+                <a:solidFill>
+                  <a:schemeClr val="tx1"/>
+                </a:solidFill>
+                <a:effectLst/>
+                <a:latin typeface="+mn-lt"/>
+                <a:ea typeface="+mn-ea"/>
+                <a:cs typeface="+mn-cs"/>
+              </a:rPr>
+              <a:t> </a:t>
+            </a:r>
+            <a:r>
+              <a:rPr lang="en-GB" sz="1200" b="0" i="0" u="none" strike="noStrike" kern="1200" dirty="0" err="1">
+                <a:solidFill>
+                  <a:schemeClr val="tx1"/>
+                </a:solidFill>
+                <a:effectLst/>
+                <a:latin typeface="+mn-lt"/>
+                <a:ea typeface="+mn-ea"/>
+                <a:cs typeface="+mn-cs"/>
+              </a:rPr>
+              <a:t>echtes</a:t>
+            </a:r>
+            <a:r>
+              <a:rPr lang="en-GB" sz="1200" b="0" i="0" u="none" strike="noStrike" kern="1200" dirty="0">
+                <a:solidFill>
+                  <a:schemeClr val="tx1"/>
+                </a:solidFill>
+                <a:effectLst/>
+                <a:latin typeface="+mn-lt"/>
+                <a:ea typeface="+mn-ea"/>
+                <a:cs typeface="+mn-cs"/>
+              </a:rPr>
+              <a:t> </a:t>
+            </a:r>
+            <a:r>
+              <a:rPr lang="en-GB" sz="1200" b="0" i="0" u="none" strike="noStrike" kern="1200" dirty="0" err="1">
+                <a:solidFill>
+                  <a:schemeClr val="tx1"/>
+                </a:solidFill>
+                <a:effectLst/>
+                <a:latin typeface="+mn-lt"/>
+                <a:ea typeface="+mn-ea"/>
+                <a:cs typeface="+mn-cs"/>
+              </a:rPr>
+              <a:t>Insekt</a:t>
+            </a:r>
+            <a:r>
+              <a:rPr lang="en-GB" sz="1200" b="0" i="0" u="none" strike="noStrike" kern="1200" dirty="0">
+                <a:solidFill>
+                  <a:schemeClr val="tx1"/>
+                </a:solidFill>
+                <a:effectLst/>
+                <a:latin typeface="+mn-lt"/>
+                <a:ea typeface="+mn-ea"/>
+                <a:cs typeface="+mn-cs"/>
+              </a:rPr>
+              <a:t> </a:t>
+            </a:r>
+            <a:r>
+              <a:rPr lang="en-GB" sz="1200" b="0" i="0" u="none" strike="noStrike" kern="1200" dirty="0" err="1">
+                <a:solidFill>
+                  <a:schemeClr val="tx1"/>
+                </a:solidFill>
+                <a:effectLst/>
+                <a:latin typeface="+mn-lt"/>
+                <a:ea typeface="+mn-ea"/>
+                <a:cs typeface="+mn-cs"/>
+              </a:rPr>
+              <a:t>zurück</a:t>
+            </a:r>
+            <a:r>
+              <a:rPr lang="en-GB" sz="1200" b="0" i="0" u="none" strike="noStrike" kern="1200" dirty="0">
+                <a:solidFill>
+                  <a:schemeClr val="tx1"/>
+                </a:solidFill>
+                <a:effectLst/>
+                <a:latin typeface="+mn-lt"/>
+                <a:ea typeface="+mn-ea"/>
+                <a:cs typeface="+mn-cs"/>
+              </a:rPr>
+              <a:t>, das 1947 in </a:t>
+            </a:r>
+            <a:r>
+              <a:rPr lang="en-GB" sz="1200" b="0" i="0" u="none" strike="noStrike" kern="1200" dirty="0" err="1">
+                <a:solidFill>
+                  <a:schemeClr val="tx1"/>
+                </a:solidFill>
+                <a:effectLst/>
+                <a:latin typeface="+mn-lt"/>
+                <a:ea typeface="+mn-ea"/>
+                <a:cs typeface="+mn-cs"/>
+              </a:rPr>
+              <a:t>dem</a:t>
+            </a:r>
+            <a:r>
+              <a:rPr lang="en-GB" sz="1200" b="0" i="0" u="none" strike="noStrike" kern="1200" dirty="0">
+                <a:solidFill>
+                  <a:schemeClr val="tx1"/>
+                </a:solidFill>
+                <a:effectLst/>
+                <a:latin typeface="+mn-lt"/>
+                <a:ea typeface="+mn-ea"/>
+                <a:cs typeface="+mn-cs"/>
+              </a:rPr>
+              <a:t> Supercomputer Harvard Mark II </a:t>
+            </a:r>
+            <a:r>
+              <a:rPr lang="en-GB" sz="1200" b="0" i="0" u="none" strike="noStrike" kern="1200" dirty="0" err="1">
+                <a:solidFill>
+                  <a:schemeClr val="tx1"/>
+                </a:solidFill>
+                <a:effectLst/>
+                <a:latin typeface="+mn-lt"/>
+                <a:ea typeface="+mn-ea"/>
+                <a:cs typeface="+mn-cs"/>
+              </a:rPr>
+              <a:t>gefunden</a:t>
+            </a:r>
+            <a:r>
+              <a:rPr lang="en-GB" sz="1200" b="0" i="0" u="none" strike="noStrike" kern="1200" dirty="0">
+                <a:solidFill>
+                  <a:schemeClr val="tx1"/>
+                </a:solidFill>
+                <a:effectLst/>
+                <a:latin typeface="+mn-lt"/>
+                <a:ea typeface="+mn-ea"/>
+                <a:cs typeface="+mn-cs"/>
+              </a:rPr>
+              <a:t> </a:t>
+            </a:r>
+            <a:r>
+              <a:rPr lang="en-GB" sz="1200" b="0" i="0" u="none" strike="noStrike" kern="1200" dirty="0" err="1">
+                <a:solidFill>
+                  <a:schemeClr val="tx1"/>
+                </a:solidFill>
+                <a:effectLst/>
+                <a:latin typeface="+mn-lt"/>
+                <a:ea typeface="+mn-ea"/>
+                <a:cs typeface="+mn-cs"/>
+              </a:rPr>
+              <a:t>wurde</a:t>
+            </a:r>
+            <a:r>
+              <a:rPr lang="en-GB" sz="1200" b="0" i="0" u="none" strike="noStrike" kern="1200" dirty="0">
+                <a:solidFill>
+                  <a:schemeClr val="tx1"/>
+                </a:solidFill>
+                <a:effectLst/>
+                <a:latin typeface="+mn-lt"/>
+                <a:ea typeface="+mn-ea"/>
+                <a:cs typeface="+mn-cs"/>
+              </a:rPr>
+              <a:t> und das </a:t>
+            </a:r>
+            <a:r>
+              <a:rPr lang="en-GB" sz="1200" b="0" i="0" u="none" strike="noStrike" kern="1200" dirty="0" err="1">
+                <a:solidFill>
+                  <a:schemeClr val="tx1"/>
+                </a:solidFill>
+                <a:effectLst/>
+                <a:latin typeface="+mn-lt"/>
+                <a:ea typeface="+mn-ea"/>
+                <a:cs typeface="+mn-cs"/>
+              </a:rPr>
+              <a:t>einen</a:t>
+            </a:r>
+            <a:r>
+              <a:rPr lang="en-GB" sz="1200" b="0" i="0" u="none" strike="noStrike" kern="1200" dirty="0">
+                <a:solidFill>
+                  <a:schemeClr val="tx1"/>
+                </a:solidFill>
+                <a:effectLst/>
+                <a:latin typeface="+mn-lt"/>
+                <a:ea typeface="+mn-ea"/>
+                <a:cs typeface="+mn-cs"/>
+              </a:rPr>
+              <a:t> </a:t>
+            </a:r>
+            <a:r>
+              <a:rPr lang="en-GB" sz="1200" b="0" i="0" u="none" strike="noStrike" kern="1200" dirty="0" err="1">
+                <a:solidFill>
+                  <a:schemeClr val="tx1"/>
+                </a:solidFill>
+                <a:effectLst/>
+                <a:latin typeface="+mn-lt"/>
+                <a:ea typeface="+mn-ea"/>
+                <a:cs typeface="+mn-cs"/>
+              </a:rPr>
+              <a:t>Fehler</a:t>
+            </a:r>
+            <a:r>
+              <a:rPr lang="en-GB" sz="1200" b="0" i="0" u="none" strike="noStrike" kern="1200" dirty="0">
+                <a:solidFill>
+                  <a:schemeClr val="tx1"/>
+                </a:solidFill>
+                <a:effectLst/>
+                <a:latin typeface="+mn-lt"/>
+                <a:ea typeface="+mn-ea"/>
+                <a:cs typeface="+mn-cs"/>
+              </a:rPr>
+              <a:t> des Supercomputers </a:t>
+            </a:r>
+            <a:r>
+              <a:rPr lang="en-GB" sz="1200" b="0" i="0" u="none" strike="noStrike" kern="1200" dirty="0" err="1">
+                <a:solidFill>
+                  <a:schemeClr val="tx1"/>
+                </a:solidFill>
+                <a:effectLst/>
+                <a:latin typeface="+mn-lt"/>
+                <a:ea typeface="+mn-ea"/>
+                <a:cs typeface="+mn-cs"/>
+              </a:rPr>
+              <a:t>verursachte</a:t>
+            </a:r>
+            <a:r>
+              <a:rPr lang="en-GB" sz="1200" b="0" i="0" u="none" strike="noStrike" kern="1200" dirty="0">
+                <a:solidFill>
+                  <a:schemeClr val="tx1"/>
+                </a:solidFill>
+                <a:effectLst/>
+                <a:latin typeface="+mn-lt"/>
+                <a:ea typeface="+mn-ea"/>
+                <a:cs typeface="+mn-cs"/>
+              </a:rPr>
+              <a:t> (</a:t>
+            </a:r>
+            <a:r>
+              <a:rPr lang="en-GB" sz="1200" b="0" i="0" u="none" strike="noStrike" kern="1200" dirty="0">
+                <a:solidFill>
+                  <a:schemeClr val="tx1"/>
+                </a:solidFill>
+                <a:effectLst/>
+                <a:latin typeface="+mn-lt"/>
+                <a:ea typeface="+mn-ea"/>
+                <a:cs typeface="+mn-cs"/>
+                <a:hlinkClick r:id="rId3"/>
+              </a:rPr>
+              <a:t>https://en.wikipedia.org/wiki/Harvard_Mark_II</a:t>
+            </a:r>
+            <a:r>
+              <a:rPr lang="en-GB" sz="1200" b="0" i="0" u="none" strike="noStrike" kern="1200" dirty="0">
+                <a:solidFill>
+                  <a:schemeClr val="tx1"/>
+                </a:solidFill>
+                <a:effectLst/>
+                <a:latin typeface="+mn-lt"/>
+                <a:ea typeface="+mn-ea"/>
+                <a:cs typeface="+mn-cs"/>
+              </a:rPr>
+              <a:t>):</a:t>
+            </a:r>
+          </a:p>
+          <a:p>
+            <a:endParaRPr lang="de-DE" dirty="0"/>
           </a:p>
         </p:txBody>
       </p:sp>
@@ -1480,7 +1517,7 @@
           <a:p>
             <a:fld id="{F79C1C61-5747-1145-9454-DA5BFFD99B8B}" type="slidenum">
               <a:rPr lang="de-DE" smtClean="0"/>
-              <a:t>5</a:t>
+              <a:t>3</a:t>
             </a:fld>
             <a:endParaRPr lang="de-DE"/>
           </a:p>
@@ -1489,7 +1526,7 @@
     </p:spTree>
     <p:extLst>
       <p:ext uri="{BB962C8B-B14F-4D97-AF65-F5344CB8AC3E}">
-        <p14:creationId xmlns:p14="http://schemas.microsoft.com/office/powerpoint/2010/main" val="1730955633"/>
+        <p14:creationId xmlns:p14="http://schemas.microsoft.com/office/powerpoint/2010/main" val="2393640624"/>
       </p:ext>
     </p:extLst>
   </p:cSld>
@@ -1543,7 +1580,18 @@
           <a:bodyPr/>
           <a:lstStyle/>
           <a:p>
-            <a:endParaRPr lang="de-DE" dirty="0"/>
+            <a:r>
+              <a:rPr lang="de-DE" dirty="0"/>
+              <a:t>Hier erst Demo mit Umschütten der Gläser, dann Codebeispiel und Bug – Danach </a:t>
+            </a:r>
+            <a:r>
+              <a:rPr lang="de-DE" dirty="0" err="1"/>
+              <a:t>swap.py</a:t>
+            </a:r>
+            <a:r>
+              <a:rPr lang="de-DE" dirty="0"/>
+              <a:t> Demo</a:t>
+            </a:r>
           </a:p>
         </p:txBody>
       </p:sp>
@@ -1564,7 +1612,91 @@
           <a:p>
             <a:fld id="{F79C1C61-5747-1145-9454-DA5BFFD99B8B}" type="slidenum">
               <a:rPr lang="de-DE" smtClean="0"/>
-              <a:t>8</a:t>
+              <a:t>6</a:t>
+            </a:fld>
+            <a:endParaRPr lang="de-DE"/>
+          </a:p>
+        </p:txBody>
+      </p:sp>
+    </p:spTree>
+    <p:extLst>
+      <p:ext uri="{BB962C8B-B14F-4D97-AF65-F5344CB8AC3E}">
+        <p14:creationId xmlns:p14="http://schemas.microsoft.com/office/powerpoint/2010/main" val="1730955633"/>
+      </p:ext>
+    </p:extLst>
+  </p:cSld>
+  <p:clrMapOvr>
+    <a:masterClrMapping/>
+  </p:clrMapOvr>
+</p:notes>
+</file>
+
+<file path=ppt/notesSlides/notesSlide4.xml><?xml version="1.0" encoding="utf-8"?>
+<p:notes xmlns:a="http://schemas.openxmlformats.org/drawingml/2006/main" xmlns:r="http://schemas.openxmlformats.org/officeDocument/2006/relationships" xmlns:p="http://schemas.openxmlformats.org/presentationml/2006/main">
+  <p:cSld>
+    <p:spTree>
+      <p:nvGrpSpPr>
+        <p:cNvPr id="1" name=""/>
+        <p:cNvGrpSpPr/>
+        <p:nvPr/>
+      </p:nvGrpSpPr>
+      <p:grpSpPr>
+        <a:xfrm>
+          <a:off x="0" y="0"/>
+          <a:ext cx="0" cy="0"/>
+          <a:chOff x="0" y="0"/>
+          <a:chExt cx="0" cy="0"/>
+        </a:xfrm>
+      </p:grpSpPr>
+      <p:sp>
+        <p:nvSpPr>
+          <p:cNvPr id="2" name="Slide Image Placeholder 1"/>
+          <p:cNvSpPr>
+            <a:spLocks noGrp="1" noRot="1" noChangeAspect="1"/>
+          </p:cNvSpPr>
+          <p:nvPr>
+            <p:ph type="sldImg"/>
+          </p:nvPr>
+        </p:nvSpPr>
+        <p:spPr/>
+      </p:sp>
+      <p:sp>
+        <p:nvSpPr>
+          <p:cNvPr id="3" name="Notes Placeholder 2"/>
+          <p:cNvSpPr>
+            <a:spLocks noGrp="1"/>
+          </p:cNvSpPr>
+          <p:nvPr>
+            <p:ph type="body" idx="1"/>
+          </p:nvPr>
+        </p:nvSpPr>
+        <p:spPr/>
+        <p:txBody>
+          <a:bodyPr/>
+          <a:lstStyle/>
+          <a:p>
+            <a:endParaRPr lang="de-DE" dirty="0"/>
+          </a:p>
+        </p:txBody>
+      </p:sp>
+      <p:sp>
+        <p:nvSpPr>
+          <p:cNvPr id="4" name="Slide Number Placeholder 3"/>
+          <p:cNvSpPr>
+            <a:spLocks noGrp="1"/>
+          </p:cNvSpPr>
+          <p:nvPr>
+            <p:ph type="sldNum" sz="quarter" idx="5"/>
+          </p:nvPr>
+        </p:nvSpPr>
+        <p:spPr/>
+        <p:txBody>
+          <a:bodyPr/>
+          <a:lstStyle/>
+          <a:p>
+            <a:fld id="{F79C1C61-5747-1145-9454-DA5BFFD99B8B}" type="slidenum">
+              <a:rPr lang="de-DE" smtClean="0"/>
+              <a:t>9</a:t>
             </a:fld>
             <a:endParaRPr lang="de-DE"/>
           </a:p>
@@ -5832,7 +5964,7 @@
           <a:p>
             <a:fld id="{8C445101-65EE-0048-9A14-29E3837D9AD2}" type="datetimeFigureOut">
               <a:rPr lang="de-DE" smtClean="0"/>
-              <a:t>29.06.22</a:t>
+              <a:t>05.07.22</a:t>
             </a:fld>
             <a:endParaRPr lang="de-DE"/>
           </a:p>
@@ -6432,6 +6564,198 @@
           <p:cNvPr id="2" name="Title 1">
             <a:extLst>
               <a:ext uri="{FF2B5EF4-FFF2-40B4-BE49-F238E27FC236}">
+                <a16:creationId xmlns:a16="http://schemas.microsoft.com/office/drawing/2014/main" id="{AD738F7B-2DDC-7DD8-1D39-2F103BB90A7C}"/>
+              </a:ext>
+            </a:extLst>
+          </p:cNvPr>
+          <p:cNvSpPr>
+            <a:spLocks noGrp="1"/>
+          </p:cNvSpPr>
+          <p:nvPr>
+            <p:ph type="title"/>
+          </p:nvPr>
+        </p:nvSpPr>
+        <p:spPr/>
+        <p:txBody>
+          <a:bodyPr/>
+          <a:lstStyle/>
+          <a:p>
+            <a:r>
+              <a:rPr lang="de-DE" dirty="0"/>
+              <a:t>Parameter von der Shell</a:t>
+            </a:r>
+          </a:p>
+        </p:txBody>
+      </p:sp>
+      <p:sp>
+        <p:nvSpPr>
+          <p:cNvPr id="4" name="Rectangle 3">
+            <a:extLst>
+              <a:ext uri="{FF2B5EF4-FFF2-40B4-BE49-F238E27FC236}">
+                <a16:creationId xmlns:a16="http://schemas.microsoft.com/office/drawing/2014/main" id="{A8440A5B-46F9-C2C6-578F-E40E790DC792}"/>
+              </a:ext>
+            </a:extLst>
+          </p:cNvPr>
+          <p:cNvSpPr/>
+          <p:nvPr/>
+        </p:nvSpPr>
+        <p:spPr>
+          <a:xfrm>
+            <a:off x="517748" y="2782669"/>
+            <a:ext cx="6096000" cy="646331"/>
+          </a:xfrm>
+          <a:prstGeom prst="rect">
+            <a:avLst/>
+          </a:prstGeom>
+        </p:spPr>
+        <p:txBody>
+          <a:bodyPr>
+            <a:spAutoFit/>
+          </a:bodyPr>
+          <a:lstStyle/>
+          <a:p>
+            <a:r>
+              <a:rPr lang="de-DE" dirty="0">
+                <a:latin typeface="Source Code Pro" panose="020B0509030403020204" pitchFamily="49" charset="77"/>
+              </a:rPr>
+              <a:t>$ python3 argv0.py Markus</a:t>
+            </a:r>
+          </a:p>
+          <a:p>
+            <a:r>
+              <a:rPr lang="de-DE" dirty="0" err="1">
+                <a:latin typeface="Source Code Pro" panose="020B0509030403020204" pitchFamily="49" charset="77"/>
+              </a:rPr>
+              <a:t>hello</a:t>
+            </a:r>
+            <a:r>
+              <a:rPr lang="de-DE" dirty="0">
+                <a:latin typeface="Source Code Pro" panose="020B0509030403020204" pitchFamily="49" charset="77"/>
+              </a:rPr>
+              <a:t>, Markus</a:t>
+            </a:r>
+          </a:p>
+        </p:txBody>
+      </p:sp>
+      <p:pic>
+        <p:nvPicPr>
+          <p:cNvPr id="5" name="Picture 4" descr="Replit - Wikipedia">
+            <a:extLst>
+              <a:ext uri="{FF2B5EF4-FFF2-40B4-BE49-F238E27FC236}">
+                <a16:creationId xmlns:a16="http://schemas.microsoft.com/office/drawing/2014/main" id="{766DB63B-A617-F100-63E4-40FCCB15CE66}"/>
+              </a:ext>
+            </a:extLst>
+          </p:cNvPr>
+          <p:cNvPicPr>
+            <a:picLocks noChangeAspect="1" noChangeArrowheads="1"/>
+          </p:cNvPicPr>
+          <p:nvPr/>
+        </p:nvPicPr>
+        <p:blipFill>
+          <a:blip r:embed="rId2">
+            <a:extLst>
+              <a:ext uri="{28A0092B-C50C-407E-A947-70E740481C1C}">
+                <a14:useLocalDpi xmlns:a14="http://schemas.microsoft.com/office/drawing/2010/main" val="0"/>
+              </a:ext>
+            </a:extLst>
+          </a:blip>
+          <a:srcRect/>
+          <a:stretch>
+            <a:fillRect/>
+          </a:stretch>
+        </p:blipFill>
+        <p:spPr bwMode="auto">
+          <a:xfrm>
+            <a:off x="11474824" y="6185647"/>
+            <a:ext cx="312644" cy="312644"/>
+          </a:xfrm>
+          <a:prstGeom prst="rect">
+            <a:avLst/>
+          </a:prstGeom>
+          <a:noFill/>
+          <a:extLst>
+            <a:ext uri="{909E8E84-426E-40DD-AFC4-6F175D3DCCD1}">
+              <a14:hiddenFill xmlns:a14="http://schemas.microsoft.com/office/drawing/2010/main">
+                <a:solidFill>
+                  <a:srgbClr val="FFFFFF"/>
+                </a:solidFill>
+              </a14:hiddenFill>
+            </a:ext>
+          </a:extLst>
+        </p:spPr>
+      </p:pic>
+      <p:sp>
+        <p:nvSpPr>
+          <p:cNvPr id="6" name="TextBox 5">
+            <a:extLst>
+              <a:ext uri="{FF2B5EF4-FFF2-40B4-BE49-F238E27FC236}">
+                <a16:creationId xmlns:a16="http://schemas.microsoft.com/office/drawing/2014/main" id="{87FDE1E1-496F-E311-01CF-D4419D108148}"/>
+              </a:ext>
+            </a:extLst>
+          </p:cNvPr>
+          <p:cNvSpPr txBox="1"/>
+          <p:nvPr/>
+        </p:nvSpPr>
+        <p:spPr>
+          <a:xfrm>
+            <a:off x="9366501" y="6209234"/>
+            <a:ext cx="1994457" cy="276999"/>
+          </a:xfrm>
+          <a:prstGeom prst="rect">
+            <a:avLst/>
+          </a:prstGeom>
+          <a:noFill/>
+        </p:spPr>
+        <p:txBody>
+          <a:bodyPr wrap="none" rtlCol="0">
+            <a:spAutoFit/>
+          </a:bodyPr>
+          <a:lstStyle/>
+          <a:p>
+            <a:r>
+              <a:rPr lang="de-DE" sz="1200" dirty="0">
+                <a:latin typeface="Lato Light" panose="020F0302020204030203" pitchFamily="34" charset="77"/>
+              </a:rPr>
+              <a:t>Demo argv0.py bis argv2.py</a:t>
+            </a:r>
+          </a:p>
+        </p:txBody>
+      </p:sp>
+    </p:spTree>
+    <p:extLst>
+      <p:ext uri="{BB962C8B-B14F-4D97-AF65-F5344CB8AC3E}">
+        <p14:creationId xmlns:p14="http://schemas.microsoft.com/office/powerpoint/2010/main" val="3185532304"/>
+      </p:ext>
+    </p:extLst>
+  </p:cSld>
+  <p:clrMapOvr>
+    <a:masterClrMapping/>
+  </p:clrMapOvr>
+</p:sld>
+</file>
+
+<file path=ppt/slides/slide11.xml><?xml version="1.0" encoding="utf-8"?>
+<p:sld xmlns:a="http://schemas.openxmlformats.org/drawingml/2006/main" xmlns:r="http://schemas.openxmlformats.org/officeDocument/2006/relationships" xmlns:p="http://schemas.openxmlformats.org/presentationml/2006/main">
+  <p:cSld>
+    <p:spTree>
+      <p:nvGrpSpPr>
+        <p:cNvPr id="1" name=""/>
+        <p:cNvGrpSpPr/>
+        <p:nvPr/>
+      </p:nvGrpSpPr>
+      <p:grpSpPr>
+        <a:xfrm>
+          <a:off x="0" y="0"/>
+          <a:ext cx="0" cy="0"/>
+          <a:chOff x="0" y="0"/>
+          <a:chExt cx="0" cy="0"/>
+        </a:xfrm>
+      </p:grpSpPr>
+      <p:sp>
+        <p:nvSpPr>
+          <p:cNvPr id="2" name="Title 1">
+            <a:extLst>
+              <a:ext uri="{FF2B5EF4-FFF2-40B4-BE49-F238E27FC236}">
                 <a16:creationId xmlns:a16="http://schemas.microsoft.com/office/drawing/2014/main" id="{1458F991-D0E5-18ED-999F-DEB211877A0E}"/>
               </a:ext>
             </a:extLst>
@@ -6602,12 +6926,79 @@
           <a:chExt cx="0" cy="0"/>
         </a:xfrm>
       </p:grpSpPr>
-      <p:sp>
-        <p:nvSpPr>
-          <p:cNvPr id="2" name="Title 1">
-            <a:extLst>
-              <a:ext uri="{FF2B5EF4-FFF2-40B4-BE49-F238E27FC236}">
-                <a16:creationId xmlns:a16="http://schemas.microsoft.com/office/drawing/2014/main" id="{5981AAB3-E9FD-3268-B2C4-CAF7C99F9D49}"/>
+      <p:graphicFrame>
+        <p:nvGraphicFramePr>
+          <p:cNvPr id="4" name="Object 3" hidden="1">
+            <a:extLst>
+              <a:ext uri="{FF2B5EF4-FFF2-40B4-BE49-F238E27FC236}">
+                <a16:creationId xmlns:a16="http://schemas.microsoft.com/office/drawing/2014/main" id="{164E5AEB-7C96-324B-9CE8-3536DA5F9082}"/>
+              </a:ext>
+            </a:extLst>
+          </p:cNvPr>
+          <p:cNvGraphicFramePr>
+            <a:graphicFrameLocks noChangeAspect="1"/>
+          </p:cNvGraphicFramePr>
+          <p:nvPr>
+            <p:custDataLst>
+              <p:tags r:id="rId1"/>
+            </p:custDataLst>
+          </p:nvPr>
+        </p:nvGraphicFramePr>
+        <p:xfrm>
+          <a:off x="1588" y="1588"/>
+          <a:ext cx="1227" cy="1588"/>
+        </p:xfrm>
+        <a:graphic>
+          <a:graphicData uri="http://schemas.openxmlformats.org/presentationml/2006/ole">
+            <mc:AlternateContent xmlns:mc="http://schemas.openxmlformats.org/markup-compatibility/2006">
+              <mc:Choice xmlns:v="urn:schemas-microsoft-com:vml" Requires="v">
+                <p:oleObj name="think-cell Slide" r:id="rId4" imgW="7772400" imgH="10058400" progId="TCLayout.ActiveDocument.1">
+                  <p:embed/>
+                </p:oleObj>
+              </mc:Choice>
+              <mc:Fallback>
+                <p:oleObj name="think-cell Slide" r:id="rId4" imgW="7772400" imgH="10058400" progId="TCLayout.ActiveDocument.1">
+                  <p:embed/>
+                  <p:pic>
+                    <p:nvPicPr>
+                      <p:cNvPr id="4" name="Object 3" hidden="1">
+                        <a:extLst>
+                          <a:ext uri="{FF2B5EF4-FFF2-40B4-BE49-F238E27FC236}">
+                            <a16:creationId xmlns:a16="http://schemas.microsoft.com/office/drawing/2014/main" id="{164E5AEB-7C96-324B-9CE8-3536DA5F9082}"/>
+                          </a:ext>
+                        </a:extLst>
+                      </p:cNvPr>
+                      <p:cNvPicPr/>
+                      <p:nvPr/>
+                    </p:nvPicPr>
+                    <p:blipFill>
+                      <a:blip r:embed="rId5"/>
+                      <a:stretch>
+                        <a:fillRect/>
+                      </a:stretch>
+                    </p:blipFill>
+                    <p:spPr>
+                      <a:xfrm>
+                        <a:off x="1588" y="1588"/>
+                        <a:ext cx="1227" cy="1588"/>
+                      </a:xfrm>
+                      <a:prstGeom prst="rect">
+                        <a:avLst/>
+                      </a:prstGeom>
+                    </p:spPr>
+                  </p:pic>
+                </p:oleObj>
+              </mc:Fallback>
+            </mc:AlternateContent>
+          </a:graphicData>
+        </a:graphic>
+      </p:graphicFrame>
+      <p:sp>
+        <p:nvSpPr>
+          <p:cNvPr id="13" name="Title 1">
+            <a:extLst>
+              <a:ext uri="{FF2B5EF4-FFF2-40B4-BE49-F238E27FC236}">
+                <a16:creationId xmlns:a16="http://schemas.microsoft.com/office/drawing/2014/main" id="{1D33BE2D-FC00-84AE-C5F1-9EEBFF906297}"/>
               </a:ext>
             </a:extLst>
           </p:cNvPr>
@@ -6620,8 +7011,8 @@
         </p:nvSpPr>
         <p:spPr>
           <a:xfrm>
-            <a:off x="517748" y="394314"/>
-            <a:ext cx="10515600" cy="410729"/>
+            <a:off x="517748" y="394313"/>
+            <a:ext cx="10515600" cy="410730"/>
           </a:xfrm>
         </p:spPr>
         <p:txBody>
@@ -6630,17 +7021,24 @@
           <a:p>
             <a:r>
               <a:rPr lang="de-DE" dirty="0"/>
-              <a:t>Debugging</a:t>
+              <a:t>Eigene Funktionen mit </a:t>
+            </a:r>
+            <a:br>
+              <a:rPr lang="de-DE" dirty="0"/>
+            </a:br>
+            <a:r>
+              <a:rPr lang="de-DE" dirty="0"/>
+              <a:t>Rückgabewerten</a:t>
             </a:r>
           </a:p>
         </p:txBody>
       </p:sp>
       <p:pic>
         <p:nvPicPr>
-          <p:cNvPr id="8" name="Picture 7" descr="A piece of paper with writing on it&#10;&#10;Description automatically generated with medium confidence">
-            <a:extLst>
-              <a:ext uri="{FF2B5EF4-FFF2-40B4-BE49-F238E27FC236}">
-                <a16:creationId xmlns:a16="http://schemas.microsoft.com/office/drawing/2014/main" id="{D7AD958D-0435-BE2D-D0E9-207203193A54}"/>
+          <p:cNvPr id="5" name="Picture 4">
+            <a:extLst>
+              <a:ext uri="{FF2B5EF4-FFF2-40B4-BE49-F238E27FC236}">
+                <a16:creationId xmlns:a16="http://schemas.microsoft.com/office/drawing/2014/main" id="{3D076553-068E-292D-CF31-482E6115DF81}"/>
               </a:ext>
             </a:extLst>
           </p:cNvPr>
@@ -6650,15 +7048,15 @@
           <p:nvPr/>
         </p:nvPicPr>
         <p:blipFill>
-          <a:blip r:embed="rId3"/>
+          <a:blip r:embed="rId6"/>
           <a:stretch>
             <a:fillRect/>
           </a:stretch>
         </p:blipFill>
         <p:spPr>
           <a:xfrm>
-            <a:off x="517748" y="1866523"/>
-            <a:ext cx="3973929" cy="3124953"/>
+            <a:off x="517748" y="1919194"/>
+            <a:ext cx="5106240" cy="2222500"/>
           </a:xfrm>
           <a:prstGeom prst="rect">
             <a:avLst/>
@@ -6667,10 +7065,10 @@
       </p:pic>
       <p:pic>
         <p:nvPicPr>
-          <p:cNvPr id="9" name="Picture 4" descr="Replit - Wikipedia">
-            <a:extLst>
-              <a:ext uri="{FF2B5EF4-FFF2-40B4-BE49-F238E27FC236}">
-                <a16:creationId xmlns:a16="http://schemas.microsoft.com/office/drawing/2014/main" id="{4FD5D2B4-AF47-3D7D-2D70-5350A5A8B598}"/>
+          <p:cNvPr id="12" name="Picture 4" descr="Replit - Wikipedia">
+            <a:extLst>
+              <a:ext uri="{FF2B5EF4-FFF2-40B4-BE49-F238E27FC236}">
+                <a16:creationId xmlns:a16="http://schemas.microsoft.com/office/drawing/2014/main" id="{660E76F8-231D-D291-E517-D689B86D05BB}"/>
               </a:ext>
             </a:extLst>
           </p:cNvPr>
@@ -6680,7 +7078,7 @@
           <p:nvPr/>
         </p:nvPicPr>
         <p:blipFill>
-          <a:blip r:embed="rId4">
+          <a:blip r:embed="rId7">
             <a:extLst>
               <a:ext uri="{28A0092B-C50C-407E-A947-70E740481C1C}">
                 <a14:useLocalDpi xmlns:a14="http://schemas.microsoft.com/office/drawing/2010/main" val="0"/>
@@ -6714,10 +7112,10 @@
       </p:pic>
       <p:sp>
         <p:nvSpPr>
-          <p:cNvPr id="10" name="TextBox 9">
-            <a:extLst>
-              <a:ext uri="{FF2B5EF4-FFF2-40B4-BE49-F238E27FC236}">
-                <a16:creationId xmlns:a16="http://schemas.microsoft.com/office/drawing/2014/main" id="{F6D73D7F-E1F6-382F-1176-180B6BC035FF}"/>
+          <p:cNvPr id="14" name="TextBox 13">
+            <a:extLst>
+              <a:ext uri="{FF2B5EF4-FFF2-40B4-BE49-F238E27FC236}">
+                <a16:creationId xmlns:a16="http://schemas.microsoft.com/office/drawing/2014/main" id="{BAFCF934-50BF-B41E-0CE0-46EBA98291F6}"/>
               </a:ext>
             </a:extLst>
           </p:cNvPr>
@@ -6726,8 +7124,8 @@
         </p:nvSpPr>
         <p:spPr>
           <a:xfrm>
-            <a:off x="10249902" y="6209234"/>
-            <a:ext cx="1199367" cy="276999"/>
+            <a:off x="9217935" y="6209234"/>
+            <a:ext cx="2345514" cy="276999"/>
           </a:xfrm>
           <a:prstGeom prst="rect">
             <a:avLst/>
@@ -6744,13 +7142,13 @@
               <a:rPr lang="de-DE" sz="1200" dirty="0">
                 <a:latin typeface="Lato Light" panose="020F0302020204030203" pitchFamily="34" charset="77"/>
               </a:rPr>
-              <a:t>Demo </a:t>
+              <a:t>Demo calculator1.py, </a:t>
             </a:r>
             <a:r>
               <a:rPr lang="de-DE" sz="1200" dirty="0" err="1">
                 <a:latin typeface="Lato Light" panose="020F0302020204030203" pitchFamily="34" charset="77"/>
               </a:rPr>
-              <a:t>buggy.py</a:t>
+              <a:t>positive.py</a:t>
             </a:r>
             <a:endParaRPr lang="de-DE" sz="1200" dirty="0">
               <a:latin typeface="Lato Light" panose="020F0302020204030203" pitchFamily="34" charset="77"/>
@@ -6758,16 +7156,169 @@
           </a:p>
         </p:txBody>
       </p:sp>
+      <p:sp>
+        <p:nvSpPr>
+          <p:cNvPr id="8" name="Rectangle 7">
+            <a:extLst>
+              <a:ext uri="{FF2B5EF4-FFF2-40B4-BE49-F238E27FC236}">
+                <a16:creationId xmlns:a16="http://schemas.microsoft.com/office/drawing/2014/main" id="{2944776E-54E7-A7C2-F177-867A03790F10}"/>
+              </a:ext>
+            </a:extLst>
+          </p:cNvPr>
+          <p:cNvSpPr/>
+          <p:nvPr/>
+        </p:nvSpPr>
+        <p:spPr>
+          <a:xfrm>
+            <a:off x="596126" y="4623684"/>
+            <a:ext cx="2651560" cy="369332"/>
+          </a:xfrm>
+          <a:prstGeom prst="rect">
+            <a:avLst/>
+          </a:prstGeom>
+        </p:spPr>
+        <p:txBody>
+          <a:bodyPr wrap="none">
+            <a:spAutoFit/>
+          </a:bodyPr>
+          <a:lstStyle/>
+          <a:p>
+            <a:r>
+              <a:rPr lang="en-GB" dirty="0">
+                <a:solidFill>
+                  <a:srgbClr val="446FBD"/>
+                </a:solidFill>
+                <a:latin typeface="SourceCodePro" panose="020B0509030403020204"/>
+              </a:rPr>
+              <a:t>sum</a:t>
+            </a:r>
+            <a:r>
+              <a:rPr lang="en-GB" dirty="0">
+                <a:solidFill>
+                  <a:srgbClr val="535353"/>
+                </a:solidFill>
+                <a:latin typeface="SourceCodePro" panose="020B0509030403020204"/>
+              </a:rPr>
+              <a:t> = </a:t>
+            </a:r>
+            <a:r>
+              <a:rPr lang="en-GB" dirty="0" err="1">
+                <a:solidFill>
+                  <a:srgbClr val="535353"/>
+                </a:solidFill>
+                <a:latin typeface="SourceCodePro" panose="020B0509030403020204"/>
+              </a:rPr>
+              <a:t>calculate_sum</a:t>
+            </a:r>
+            <a:r>
+              <a:rPr lang="en-GB" dirty="0">
+                <a:solidFill>
+                  <a:srgbClr val="535353"/>
+                </a:solidFill>
+                <a:latin typeface="SourceCodePro" panose="020B0509030403020204"/>
+              </a:rPr>
+              <a:t>(x, y)</a:t>
+            </a:r>
+            <a:endParaRPr lang="de-DE" dirty="0"/>
+          </a:p>
+        </p:txBody>
+      </p:sp>
     </p:spTree>
     <p:extLst>
       <p:ext uri="{BB962C8B-B14F-4D97-AF65-F5344CB8AC3E}">
-        <p14:creationId xmlns:p14="http://schemas.microsoft.com/office/powerpoint/2010/main" val="3949478565"/>
+        <p14:creationId xmlns:p14="http://schemas.microsoft.com/office/powerpoint/2010/main" val="2325757405"/>
       </p:ext>
     </p:extLst>
   </p:cSld>
   <p:clrMapOvr>
     <a:masterClrMapping/>
   </p:clrMapOvr>
+  <p:timing>
+    <p:tnLst>
+      <p:par>
+        <p:cTn id="1" dur="indefinite" restart="never" nodeType="tmRoot">
+          <p:childTnLst>
+            <p:seq concurrent="1" nextAc="seek">
+              <p:cTn id="2" dur="indefinite" nodeType="mainSeq">
+                <p:childTnLst>
+                  <p:par>
+                    <p:cTn id="3" fill="hold">
+                      <p:stCondLst>
+                        <p:cond delay="indefinite"/>
+                      </p:stCondLst>
+                      <p:childTnLst>
+                        <p:par>
+                          <p:cTn id="4" fill="hold">
+                            <p:stCondLst>
+                              <p:cond delay="0"/>
+                            </p:stCondLst>
+                            <p:childTnLst>
+                              <p:par>
+                                <p:cTn id="5" presetID="10" presetClass="entr" presetSubtype="0" fill="hold" grpId="0" nodeType="clickEffect">
+                                  <p:stCondLst>
+                                    <p:cond delay="0"/>
+                                  </p:stCondLst>
+                                  <p:childTnLst>
+                                    <p:set>
+                                      <p:cBhvr>
+                                        <p:cTn id="6" dur="1" fill="hold">
+                                          <p:stCondLst>
+                                            <p:cond delay="0"/>
+                                          </p:stCondLst>
+                                        </p:cTn>
+                                        <p:tgtEl>
+                                          <p:spTgt spid="8"/>
+                                        </p:tgtEl>
+                                        <p:attrNameLst>
+                                          <p:attrName>style.visibility</p:attrName>
+                                        </p:attrNameLst>
+                                      </p:cBhvr>
+                                      <p:to>
+                                        <p:strVal val="visible"/>
+                                      </p:to>
+                                    </p:set>
+                                    <p:animEffect transition="in" filter="fade">
+                                      <p:cBhvr>
+                                        <p:cTn id="7" dur="500"/>
+                                        <p:tgtEl>
+                                          <p:spTgt spid="8"/>
+                                        </p:tgtEl>
+                                      </p:cBhvr>
+                                    </p:animEffect>
+                                  </p:childTnLst>
+                                </p:cTn>
+                              </p:par>
+                            </p:childTnLst>
+                          </p:cTn>
+                        </p:par>
+                      </p:childTnLst>
+                    </p:cTn>
+                  </p:par>
+                </p:childTnLst>
+              </p:cTn>
+              <p:prevCondLst>
+                <p:cond evt="onPrev" delay="0">
+                  <p:tgtEl>
+                    <p:sldTgt/>
+                  </p:tgtEl>
+                </p:cond>
+              </p:prevCondLst>
+              <p:nextCondLst>
+                <p:cond evt="onNext" delay="0">
+                  <p:tgtEl>
+                    <p:sldTgt/>
+                  </p:tgtEl>
+                </p:cond>
+              </p:nextCondLst>
+            </p:seq>
+          </p:childTnLst>
+        </p:cTn>
+      </p:par>
+    </p:tnLst>
+    <p:bldLst>
+      <p:bldP spid="8" grpId="0"/>
+    </p:bldLst>
+  </p:timing>
 </p:sld>
 </file>
 
@@ -6793,7 +7344,7 @@
           <p:cNvPr id="2" name="Title 1">
             <a:extLst>
               <a:ext uri="{FF2B5EF4-FFF2-40B4-BE49-F238E27FC236}">
-                <a16:creationId xmlns:a16="http://schemas.microsoft.com/office/drawing/2014/main" id="{7C110844-DFA7-2E39-3D5A-86A61C970D50}"/>
+                <a16:creationId xmlns:a16="http://schemas.microsoft.com/office/drawing/2014/main" id="{5981AAB3-E9FD-3268-B2C4-CAF7C99F9D49}"/>
               </a:ext>
             </a:extLst>
           </p:cNvPr>
@@ -6804,28 +7355,29 @@
             <p:ph type="title"/>
           </p:nvPr>
         </p:nvSpPr>
-        <p:spPr/>
+        <p:spPr>
+          <a:xfrm>
+            <a:off x="517748" y="394314"/>
+            <a:ext cx="10515600" cy="410729"/>
+          </a:xfrm>
+        </p:spPr>
         <p:txBody>
-          <a:bodyPr/>
+          <a:bodyPr anchor="t"/>
           <a:lstStyle/>
           <a:p>
             <a:r>
-              <a:rPr lang="de-DE" dirty="0" err="1"/>
-              <a:t>Quietscheenten</a:t>
-            </a:r>
-            <a:r>
               <a:rPr lang="de-DE" dirty="0"/>
-              <a:t>-Debugging</a:t>
+              <a:t>Debugging</a:t>
             </a:r>
           </a:p>
         </p:txBody>
       </p:sp>
       <p:pic>
         <p:nvPicPr>
-          <p:cNvPr id="5" name="Picture 4">
-            <a:extLst>
-              <a:ext uri="{FF2B5EF4-FFF2-40B4-BE49-F238E27FC236}">
-                <a16:creationId xmlns:a16="http://schemas.microsoft.com/office/drawing/2014/main" id="{DD8336C9-D293-3E59-474F-3B965676B83B}"/>
+          <p:cNvPr id="8" name="Picture 7" descr="A piece of paper with writing on it&#10;&#10;Description automatically generated with medium confidence">
+            <a:extLst>
+              <a:ext uri="{FF2B5EF4-FFF2-40B4-BE49-F238E27FC236}">
+                <a16:creationId xmlns:a16="http://schemas.microsoft.com/office/drawing/2014/main" id="{D7AD958D-0435-BE2D-D0E9-207203193A54}"/>
               </a:ext>
             </a:extLst>
           </p:cNvPr>
@@ -6835,73 +7387,27 @@
           <p:nvPr/>
         </p:nvPicPr>
         <p:blipFill>
-          <a:blip r:embed="rId2"/>
+          <a:blip r:embed="rId3"/>
           <a:stretch>
             <a:fillRect/>
           </a:stretch>
         </p:blipFill>
         <p:spPr>
           <a:xfrm>
-            <a:off x="517748" y="1663915"/>
-            <a:ext cx="3145695" cy="3530169"/>
+            <a:off x="517748" y="1866523"/>
+            <a:ext cx="3973929" cy="3124953"/>
           </a:xfrm>
           <a:prstGeom prst="rect">
             <a:avLst/>
           </a:prstGeom>
         </p:spPr>
       </p:pic>
-      <p:sp>
-        <p:nvSpPr>
-          <p:cNvPr id="6" name="TextBox 5">
-            <a:extLst>
-              <a:ext uri="{FF2B5EF4-FFF2-40B4-BE49-F238E27FC236}">
-                <a16:creationId xmlns:a16="http://schemas.microsoft.com/office/drawing/2014/main" id="{94B2B87C-CEE8-DA49-5BD1-4A9EC18F0D2B}"/>
-              </a:ext>
-            </a:extLst>
-          </p:cNvPr>
-          <p:cNvSpPr txBox="1"/>
-          <p:nvPr/>
-        </p:nvSpPr>
-        <p:spPr>
-          <a:xfrm>
-            <a:off x="517748" y="5908648"/>
-            <a:ext cx="4211409" cy="276999"/>
-          </a:xfrm>
-          <a:prstGeom prst="rect">
-            <a:avLst/>
-          </a:prstGeom>
-          <a:noFill/>
-        </p:spPr>
-        <p:txBody>
-          <a:bodyPr wrap="none" rtlCol="0">
-            <a:spAutoFit/>
-          </a:bodyPr>
-          <a:lstStyle/>
-          <a:p>
-            <a:r>
-              <a:rPr lang="de-DE" sz="1200" dirty="0">
-                <a:latin typeface="Lato Light" panose="020F0302020204030203" pitchFamily="34" charset="77"/>
-              </a:rPr>
-              <a:t>Quelle: </a:t>
-            </a:r>
-            <a:r>
-              <a:rPr lang="en-GB" sz="1200" dirty="0">
-                <a:latin typeface="Lato Light" panose="020F0302020204030203" pitchFamily="34" charset="77"/>
-              </a:rPr>
-              <a:t>https://en.wikipedia.org/wiki/Rubber_duck_debugging</a:t>
-            </a:r>
-            <a:endParaRPr lang="de-DE" sz="1200" dirty="0">
-              <a:latin typeface="Lato Light" panose="020F0302020204030203" pitchFamily="34" charset="77"/>
-            </a:endParaRPr>
-          </a:p>
-        </p:txBody>
-      </p:sp>
       <p:pic>
         <p:nvPicPr>
-          <p:cNvPr id="7" name="Picture 4" descr="Replit - Wikipedia">
-            <a:extLst>
-              <a:ext uri="{FF2B5EF4-FFF2-40B4-BE49-F238E27FC236}">
-                <a16:creationId xmlns:a16="http://schemas.microsoft.com/office/drawing/2014/main" id="{053DA77F-765D-78C9-C61A-CAEDCB92BF3D}"/>
+          <p:cNvPr id="9" name="Picture 4" descr="Replit - Wikipedia">
+            <a:extLst>
+              <a:ext uri="{FF2B5EF4-FFF2-40B4-BE49-F238E27FC236}">
+                <a16:creationId xmlns:a16="http://schemas.microsoft.com/office/drawing/2014/main" id="{4FD5D2B4-AF47-3D7D-2D70-5350A5A8B598}"/>
               </a:ext>
             </a:extLst>
           </p:cNvPr>
@@ -6911,7 +7417,7 @@
           <p:nvPr/>
         </p:nvPicPr>
         <p:blipFill>
-          <a:blip r:embed="rId3">
+          <a:blip r:embed="rId4">
             <a:extLst>
               <a:ext uri="{28A0092B-C50C-407E-A947-70E740481C1C}">
                 <a14:useLocalDpi xmlns:a14="http://schemas.microsoft.com/office/drawing/2010/main" val="0"/>
@@ -6945,10 +7451,10 @@
       </p:pic>
       <p:sp>
         <p:nvSpPr>
-          <p:cNvPr id="8" name="TextBox 7">
-            <a:extLst>
-              <a:ext uri="{FF2B5EF4-FFF2-40B4-BE49-F238E27FC236}">
-                <a16:creationId xmlns:a16="http://schemas.microsoft.com/office/drawing/2014/main" id="{0B10614A-6583-68F9-EBEF-431530FC5C83}"/>
+          <p:cNvPr id="10" name="TextBox 9">
+            <a:extLst>
+              <a:ext uri="{FF2B5EF4-FFF2-40B4-BE49-F238E27FC236}">
+                <a16:creationId xmlns:a16="http://schemas.microsoft.com/office/drawing/2014/main" id="{F6D73D7F-E1F6-382F-1176-180B6BC035FF}"/>
               </a:ext>
             </a:extLst>
           </p:cNvPr>
@@ -6957,8 +7463,8 @@
         </p:nvSpPr>
         <p:spPr>
           <a:xfrm>
-            <a:off x="10885331" y="6209234"/>
-            <a:ext cx="585417" cy="276999"/>
+            <a:off x="10249902" y="6209234"/>
+            <a:ext cx="1199367" cy="276999"/>
           </a:xfrm>
           <a:prstGeom prst="rect">
             <a:avLst/>
@@ -6975,15 +7481,24 @@
               <a:rPr lang="de-DE" sz="1200" dirty="0">
                 <a:latin typeface="Lato Light" panose="020F0302020204030203" pitchFamily="34" charset="77"/>
               </a:rPr>
-              <a:t>Demo</a:t>
-            </a:r>
+              <a:t>Demo </a:t>
+            </a:r>
+            <a:r>
+              <a:rPr lang="de-DE" sz="1200" dirty="0" err="1">
+                <a:latin typeface="Lato Light" panose="020F0302020204030203" pitchFamily="34" charset="77"/>
+              </a:rPr>
+              <a:t>buggy.py</a:t>
+            </a:r>
+            <a:endParaRPr lang="de-DE" sz="1200" dirty="0">
+              <a:latin typeface="Lato Light" panose="020F0302020204030203" pitchFamily="34" charset="77"/>
+            </a:endParaRPr>
           </a:p>
         </p:txBody>
       </p:sp>
     </p:spTree>
     <p:extLst>
       <p:ext uri="{BB962C8B-B14F-4D97-AF65-F5344CB8AC3E}">
-        <p14:creationId xmlns:p14="http://schemas.microsoft.com/office/powerpoint/2010/main" val="2222823304"/>
+        <p14:creationId xmlns:p14="http://schemas.microsoft.com/office/powerpoint/2010/main" val="3949478565"/>
       </p:ext>
     </p:extLst>
   </p:cSld>
@@ -7015,6 +7530,228 @@
           <p:cNvPr id="2" name="Title 1">
             <a:extLst>
               <a:ext uri="{FF2B5EF4-FFF2-40B4-BE49-F238E27FC236}">
+                <a16:creationId xmlns:a16="http://schemas.microsoft.com/office/drawing/2014/main" id="{7C110844-DFA7-2E39-3D5A-86A61C970D50}"/>
+              </a:ext>
+            </a:extLst>
+          </p:cNvPr>
+          <p:cNvSpPr>
+            <a:spLocks noGrp="1"/>
+          </p:cNvSpPr>
+          <p:nvPr>
+            <p:ph type="title"/>
+          </p:nvPr>
+        </p:nvSpPr>
+        <p:spPr/>
+        <p:txBody>
+          <a:bodyPr/>
+          <a:lstStyle/>
+          <a:p>
+            <a:r>
+              <a:rPr lang="de-DE" dirty="0" err="1"/>
+              <a:t>Quietscheenten</a:t>
+            </a:r>
+            <a:r>
+              <a:rPr lang="de-DE" dirty="0"/>
+              <a:t>-Debugging</a:t>
+            </a:r>
+          </a:p>
+        </p:txBody>
+      </p:sp>
+      <p:pic>
+        <p:nvPicPr>
+          <p:cNvPr id="5" name="Picture 4">
+            <a:extLst>
+              <a:ext uri="{FF2B5EF4-FFF2-40B4-BE49-F238E27FC236}">
+                <a16:creationId xmlns:a16="http://schemas.microsoft.com/office/drawing/2014/main" id="{DD8336C9-D293-3E59-474F-3B965676B83B}"/>
+              </a:ext>
+            </a:extLst>
+          </p:cNvPr>
+          <p:cNvPicPr>
+            <a:picLocks noChangeAspect="1"/>
+          </p:cNvPicPr>
+          <p:nvPr/>
+        </p:nvPicPr>
+        <p:blipFill>
+          <a:blip r:embed="rId2"/>
+          <a:stretch>
+            <a:fillRect/>
+          </a:stretch>
+        </p:blipFill>
+        <p:spPr>
+          <a:xfrm>
+            <a:off x="517748" y="1663915"/>
+            <a:ext cx="3145695" cy="3530169"/>
+          </a:xfrm>
+          <a:prstGeom prst="rect">
+            <a:avLst/>
+          </a:prstGeom>
+        </p:spPr>
+      </p:pic>
+      <p:sp>
+        <p:nvSpPr>
+          <p:cNvPr id="6" name="TextBox 5">
+            <a:extLst>
+              <a:ext uri="{FF2B5EF4-FFF2-40B4-BE49-F238E27FC236}">
+                <a16:creationId xmlns:a16="http://schemas.microsoft.com/office/drawing/2014/main" id="{94B2B87C-CEE8-DA49-5BD1-4A9EC18F0D2B}"/>
+              </a:ext>
+            </a:extLst>
+          </p:cNvPr>
+          <p:cNvSpPr txBox="1"/>
+          <p:nvPr/>
+        </p:nvSpPr>
+        <p:spPr>
+          <a:xfrm>
+            <a:off x="517748" y="5908648"/>
+            <a:ext cx="4211409" cy="276999"/>
+          </a:xfrm>
+          <a:prstGeom prst="rect">
+            <a:avLst/>
+          </a:prstGeom>
+          <a:noFill/>
+        </p:spPr>
+        <p:txBody>
+          <a:bodyPr wrap="none" rtlCol="0">
+            <a:spAutoFit/>
+          </a:bodyPr>
+          <a:lstStyle/>
+          <a:p>
+            <a:r>
+              <a:rPr lang="de-DE" sz="1200" dirty="0">
+                <a:latin typeface="Lato Light" panose="020F0302020204030203" pitchFamily="34" charset="77"/>
+              </a:rPr>
+              <a:t>Quelle: </a:t>
+            </a:r>
+            <a:r>
+              <a:rPr lang="en-GB" sz="1200" dirty="0">
+                <a:latin typeface="Lato Light" panose="020F0302020204030203" pitchFamily="34" charset="77"/>
+              </a:rPr>
+              <a:t>https://en.wikipedia.org/wiki/Rubber_duck_debugging</a:t>
+            </a:r>
+            <a:endParaRPr lang="de-DE" sz="1200" dirty="0">
+              <a:latin typeface="Lato Light" panose="020F0302020204030203" pitchFamily="34" charset="77"/>
+            </a:endParaRPr>
+          </a:p>
+        </p:txBody>
+      </p:sp>
+      <p:pic>
+        <p:nvPicPr>
+          <p:cNvPr id="7" name="Picture 4" descr="Replit - Wikipedia">
+            <a:extLst>
+              <a:ext uri="{FF2B5EF4-FFF2-40B4-BE49-F238E27FC236}">
+                <a16:creationId xmlns:a16="http://schemas.microsoft.com/office/drawing/2014/main" id="{053DA77F-765D-78C9-C61A-CAEDCB92BF3D}"/>
+              </a:ext>
+            </a:extLst>
+          </p:cNvPr>
+          <p:cNvPicPr>
+            <a:picLocks noChangeAspect="1" noChangeArrowheads="1"/>
+          </p:cNvPicPr>
+          <p:nvPr/>
+        </p:nvPicPr>
+        <p:blipFill>
+          <a:blip r:embed="rId3">
+            <a:extLst>
+              <a:ext uri="{28A0092B-C50C-407E-A947-70E740481C1C}">
+                <a14:useLocalDpi xmlns:a14="http://schemas.microsoft.com/office/drawing/2010/main" val="0"/>
+              </a:ext>
+            </a:extLst>
+          </a:blip>
+          <a:srcRect/>
+          <a:stretch>
+            <a:fillRect/>
+          </a:stretch>
+        </p:blipFill>
+        <p:spPr bwMode="auto">
+          <a:xfrm>
+            <a:off x="11474824" y="6185647"/>
+            <a:ext cx="312644" cy="312644"/>
+          </a:xfrm>
+          <a:prstGeom prst="rect">
+            <a:avLst/>
+          </a:prstGeom>
+          <a:noFill/>
+          <a:extLst>
+            <a:ext uri="{909E8E84-426E-40DD-AFC4-6F175D3DCCD1}">
+              <a14:hiddenFill xmlns:a14="http://schemas.microsoft.com/office/drawing/2010/main">
+                <a:solidFill>
+                  <a:srgbClr val="FFFFFF"/>
+                </a:solidFill>
+              </a14:hiddenFill>
+            </a:ext>
+          </a:extLst>
+        </p:spPr>
+      </p:pic>
+      <p:sp>
+        <p:nvSpPr>
+          <p:cNvPr id="8" name="TextBox 7">
+            <a:extLst>
+              <a:ext uri="{FF2B5EF4-FFF2-40B4-BE49-F238E27FC236}">
+                <a16:creationId xmlns:a16="http://schemas.microsoft.com/office/drawing/2014/main" id="{0B10614A-6583-68F9-EBEF-431530FC5C83}"/>
+              </a:ext>
+            </a:extLst>
+          </p:cNvPr>
+          <p:cNvSpPr txBox="1"/>
+          <p:nvPr/>
+        </p:nvSpPr>
+        <p:spPr>
+          <a:xfrm>
+            <a:off x="10885331" y="6209234"/>
+            <a:ext cx="585417" cy="276999"/>
+          </a:xfrm>
+          <a:prstGeom prst="rect">
+            <a:avLst/>
+          </a:prstGeom>
+          <a:noFill/>
+        </p:spPr>
+        <p:txBody>
+          <a:bodyPr wrap="none" rtlCol="0">
+            <a:spAutoFit/>
+          </a:bodyPr>
+          <a:lstStyle/>
+          <a:p>
+            <a:r>
+              <a:rPr lang="de-DE" sz="1200" dirty="0">
+                <a:latin typeface="Lato Light" panose="020F0302020204030203" pitchFamily="34" charset="77"/>
+              </a:rPr>
+              <a:t>Demo</a:t>
+            </a:r>
+          </a:p>
+        </p:txBody>
+      </p:sp>
+    </p:spTree>
+    <p:extLst>
+      <p:ext uri="{BB962C8B-B14F-4D97-AF65-F5344CB8AC3E}">
+        <p14:creationId xmlns:p14="http://schemas.microsoft.com/office/powerpoint/2010/main" val="2222823304"/>
+      </p:ext>
+    </p:extLst>
+  </p:cSld>
+  <p:clrMapOvr>
+    <a:masterClrMapping/>
+  </p:clrMapOvr>
+</p:sld>
+</file>
+
+<file path=ppt/slides/slide5.xml><?xml version="1.0" encoding="utf-8"?>
+<p:sld xmlns:a="http://schemas.openxmlformats.org/drawingml/2006/main" xmlns:r="http://schemas.openxmlformats.org/officeDocument/2006/relationships" xmlns:p="http://schemas.openxmlformats.org/presentationml/2006/main">
+  <p:cSld>
+    <p:spTree>
+      <p:nvGrpSpPr>
+        <p:cNvPr id="1" name=""/>
+        <p:cNvGrpSpPr/>
+        <p:nvPr/>
+      </p:nvGrpSpPr>
+      <p:grpSpPr>
+        <a:xfrm>
+          <a:off x="0" y="0"/>
+          <a:ext cx="0" cy="0"/>
+          <a:chOff x="0" y="0"/>
+          <a:chExt cx="0" cy="0"/>
+        </a:xfrm>
+      </p:grpSpPr>
+      <p:sp>
+        <p:nvSpPr>
+          <p:cNvPr id="2" name="Title 1">
+            <a:extLst>
+              <a:ext uri="{FF2B5EF4-FFF2-40B4-BE49-F238E27FC236}">
                 <a16:creationId xmlns:a16="http://schemas.microsoft.com/office/drawing/2014/main" id="{3A7FAA7F-0278-A6B4-6288-8F9E7DB77938}"/>
               </a:ext>
             </a:extLst>
@@ -7307,7 +8044,7 @@
 </p:sld>
 </file>
 
-<file path=ppt/slides/slide5.xml><?xml version="1.0" encoding="utf-8"?>
+<file path=ppt/slides/slide6.xml><?xml version="1.0" encoding="utf-8"?>
 <p:sld xmlns:a="http://schemas.openxmlformats.org/drawingml/2006/main" xmlns:r="http://schemas.openxmlformats.org/officeDocument/2006/relationships" xmlns:p="http://schemas.openxmlformats.org/presentationml/2006/main">
   <p:cSld>
     <p:spTree>
@@ -7793,196 +8530,6 @@
 </p:sld>
 </file>
 
-<file path=ppt/slides/slide6.xml><?xml version="1.0" encoding="utf-8"?>
-<p:sld xmlns:a="http://schemas.openxmlformats.org/drawingml/2006/main" xmlns:r="http://schemas.openxmlformats.org/officeDocument/2006/relationships" xmlns:p="http://schemas.openxmlformats.org/presentationml/2006/main">
-  <p:cSld>
-    <p:spTree>
-      <p:nvGrpSpPr>
-        <p:cNvPr id="1" name=""/>
-        <p:cNvGrpSpPr/>
-        <p:nvPr/>
-      </p:nvGrpSpPr>
-      <p:grpSpPr>
-        <a:xfrm>
-          <a:off x="0" y="0"/>
-          <a:ext cx="0" cy="0"/>
-          <a:chOff x="0" y="0"/>
-          <a:chExt cx="0" cy="0"/>
-        </a:xfrm>
-      </p:grpSpPr>
-      <p:sp>
-        <p:nvSpPr>
-          <p:cNvPr id="2" name="Title 1">
-            <a:extLst>
-              <a:ext uri="{FF2B5EF4-FFF2-40B4-BE49-F238E27FC236}">
-                <a16:creationId xmlns:a16="http://schemas.microsoft.com/office/drawing/2014/main" id="{595B65E0-6ED5-48BE-DD8B-5E753F7CDFD1}"/>
-              </a:ext>
-            </a:extLst>
-          </p:cNvPr>
-          <p:cNvSpPr>
-            <a:spLocks noGrp="1"/>
-          </p:cNvSpPr>
-          <p:nvPr>
-            <p:ph type="title"/>
-          </p:nvPr>
-        </p:nvSpPr>
-        <p:spPr/>
-        <p:txBody>
-          <a:bodyPr/>
-          <a:lstStyle/>
-          <a:p>
-            <a:r>
-              <a:rPr lang="de-DE" dirty="0"/>
-              <a:t>Objekte</a:t>
-            </a:r>
-          </a:p>
-        </p:txBody>
-      </p:sp>
-      <p:sp>
-        <p:nvSpPr>
-          <p:cNvPr id="3" name="Content Placeholder 2">
-            <a:extLst>
-              <a:ext uri="{FF2B5EF4-FFF2-40B4-BE49-F238E27FC236}">
-                <a16:creationId xmlns:a16="http://schemas.microsoft.com/office/drawing/2014/main" id="{16436100-0EC4-59BA-CA6C-A5215A141831}"/>
-              </a:ext>
-            </a:extLst>
-          </p:cNvPr>
-          <p:cNvSpPr>
-            <a:spLocks noGrp="1"/>
-          </p:cNvSpPr>
-          <p:nvPr>
-            <p:ph idx="1"/>
-          </p:nvPr>
-        </p:nvSpPr>
-        <p:spPr>
-          <a:xfrm>
-            <a:off x="517748" y="1673816"/>
-            <a:ext cx="5578252" cy="3788705"/>
-          </a:xfrm>
-        </p:spPr>
-        <p:txBody>
-          <a:bodyPr/>
-          <a:lstStyle/>
-          <a:p>
-            <a:r>
-              <a:rPr lang="de-DE" dirty="0"/>
-              <a:t>Objekte können mehrere Werte speichern (Liste ist ein Objekt)</a:t>
-            </a:r>
-          </a:p>
-          <a:p>
-            <a:r>
-              <a:rPr lang="de-DE" dirty="0"/>
-              <a:t>Objekte bündeln mehrere Funktionen in einer Variable</a:t>
-            </a:r>
-          </a:p>
-        </p:txBody>
-      </p:sp>
-      <p:pic>
-        <p:nvPicPr>
-          <p:cNvPr id="4" name="Picture 4" descr="Replit - Wikipedia">
-            <a:extLst>
-              <a:ext uri="{FF2B5EF4-FFF2-40B4-BE49-F238E27FC236}">
-                <a16:creationId xmlns:a16="http://schemas.microsoft.com/office/drawing/2014/main" id="{F6D5DD31-3552-DAA5-B458-E5768A62E4B8}"/>
-              </a:ext>
-            </a:extLst>
-          </p:cNvPr>
-          <p:cNvPicPr>
-            <a:picLocks noChangeAspect="1" noChangeArrowheads="1"/>
-          </p:cNvPicPr>
-          <p:nvPr/>
-        </p:nvPicPr>
-        <p:blipFill>
-          <a:blip r:embed="rId2">
-            <a:extLst>
-              <a:ext uri="{28A0092B-C50C-407E-A947-70E740481C1C}">
-                <a14:useLocalDpi xmlns:a14="http://schemas.microsoft.com/office/drawing/2010/main" val="0"/>
-              </a:ext>
-            </a:extLst>
-          </a:blip>
-          <a:srcRect/>
-          <a:stretch>
-            <a:fillRect/>
-          </a:stretch>
-        </p:blipFill>
-        <p:spPr bwMode="auto">
-          <a:xfrm>
-            <a:off x="11474824" y="6185647"/>
-            <a:ext cx="312644" cy="312644"/>
-          </a:xfrm>
-          <a:prstGeom prst="rect">
-            <a:avLst/>
-          </a:prstGeom>
-          <a:noFill/>
-          <a:extLst>
-            <a:ext uri="{909E8E84-426E-40DD-AFC4-6F175D3DCCD1}">
-              <a14:hiddenFill xmlns:a14="http://schemas.microsoft.com/office/drawing/2010/main">
-                <a:solidFill>
-                  <a:srgbClr val="FFFFFF"/>
-                </a:solidFill>
-              </a14:hiddenFill>
-            </a:ext>
-          </a:extLst>
-        </p:spPr>
-      </p:pic>
-      <p:sp>
-        <p:nvSpPr>
-          <p:cNvPr id="5" name="TextBox 4">
-            <a:extLst>
-              <a:ext uri="{FF2B5EF4-FFF2-40B4-BE49-F238E27FC236}">
-                <a16:creationId xmlns:a16="http://schemas.microsoft.com/office/drawing/2014/main" id="{ACBB0CA0-1AFD-D859-2C4F-F987A4FA7D04}"/>
-              </a:ext>
-            </a:extLst>
-          </p:cNvPr>
-          <p:cNvSpPr txBox="1"/>
-          <p:nvPr/>
-        </p:nvSpPr>
-        <p:spPr>
-          <a:xfrm>
-            <a:off x="8002651" y="6209234"/>
-            <a:ext cx="3555782" cy="276999"/>
-          </a:xfrm>
-          <a:prstGeom prst="rect">
-            <a:avLst/>
-          </a:prstGeom>
-          <a:noFill/>
-        </p:spPr>
-        <p:txBody>
-          <a:bodyPr wrap="none" rtlCol="0">
-            <a:spAutoFit/>
-          </a:bodyPr>
-          <a:lstStyle/>
-          <a:p>
-            <a:r>
-              <a:rPr lang="de-DE" sz="1200" dirty="0">
-                <a:latin typeface="Lato Light" panose="020F0302020204030203" pitchFamily="34" charset="77"/>
-              </a:rPr>
-              <a:t>Demo score2.py, score3.py, score4.py, </a:t>
-            </a:r>
-            <a:r>
-              <a:rPr lang="de-DE" sz="1200" dirty="0" err="1">
-                <a:latin typeface="Lato Light" panose="020F0302020204030203" pitchFamily="34" charset="77"/>
-              </a:rPr>
-              <a:t>dictionary.py</a:t>
-            </a:r>
-            <a:endParaRPr lang="de-DE" sz="1200" dirty="0">
-              <a:latin typeface="Lato Light" panose="020F0302020204030203" pitchFamily="34" charset="77"/>
-            </a:endParaRPr>
-          </a:p>
-        </p:txBody>
-      </p:sp>
-    </p:spTree>
-    <p:extLst>
-      <p:ext uri="{BB962C8B-B14F-4D97-AF65-F5344CB8AC3E}">
-        <p14:creationId xmlns:p14="http://schemas.microsoft.com/office/powerpoint/2010/main" val="1806694261"/>
-      </p:ext>
-    </p:extLst>
-  </p:cSld>
-  <p:clrMapOvr>
-    <a:masterClrMapping/>
-  </p:clrMapOvr>
-</p:sld>
-</file>
-
 <file path=ppt/slides/slide7.xml><?xml version="1.0" encoding="utf-8"?>
 <p:sld xmlns:a="http://schemas.openxmlformats.org/drawingml/2006/main" xmlns:r="http://schemas.openxmlformats.org/officeDocument/2006/relationships" xmlns:p="http://schemas.openxmlformats.org/presentationml/2006/main">
   <p:cSld>
@@ -8005,7 +8552,7 @@
           <p:cNvPr id="2" name="Title 1">
             <a:extLst>
               <a:ext uri="{FF2B5EF4-FFF2-40B4-BE49-F238E27FC236}">
-                <a16:creationId xmlns:a16="http://schemas.microsoft.com/office/drawing/2014/main" id="{A1ED7181-8099-CD05-5E3F-3E98ECB4278A}"/>
+                <a16:creationId xmlns:a16="http://schemas.microsoft.com/office/drawing/2014/main" id="{595B65E0-6ED5-48BE-DD8B-5E753F7CDFD1}"/>
               </a:ext>
             </a:extLst>
           </p:cNvPr>
@@ -8022,52 +8569,57 @@
           <a:lstStyle/>
           <a:p>
             <a:r>
-              <a:rPr lang="de-DE" dirty="0" err="1"/>
-              <a:t>Dictionaries</a:t>
-            </a:r>
-            <a:r>
               <a:rPr lang="de-DE" dirty="0"/>
-              <a:t> als Nachschlagewerke</a:t>
+              <a:t>Objekte</a:t>
+            </a:r>
+          </a:p>
+        </p:txBody>
+      </p:sp>
+      <p:sp>
+        <p:nvSpPr>
+          <p:cNvPr id="3" name="Content Placeholder 2">
+            <a:extLst>
+              <a:ext uri="{FF2B5EF4-FFF2-40B4-BE49-F238E27FC236}">
+                <a16:creationId xmlns:a16="http://schemas.microsoft.com/office/drawing/2014/main" id="{16436100-0EC4-59BA-CA6C-A5215A141831}"/>
+              </a:ext>
+            </a:extLst>
+          </p:cNvPr>
+          <p:cNvSpPr>
+            <a:spLocks noGrp="1"/>
+          </p:cNvSpPr>
+          <p:nvPr>
+            <p:ph idx="1"/>
+          </p:nvPr>
+        </p:nvSpPr>
+        <p:spPr>
+          <a:xfrm>
+            <a:off x="517748" y="1673816"/>
+            <a:ext cx="5578252" cy="3788705"/>
+          </a:xfrm>
+        </p:spPr>
+        <p:txBody>
+          <a:bodyPr/>
+          <a:lstStyle/>
+          <a:p>
+            <a:r>
+              <a:rPr lang="de-DE" dirty="0"/>
+              <a:t>Objekte können mehrere Werte speichern (Liste ist ein Objekt)</a:t>
+            </a:r>
+          </a:p>
+          <a:p>
+            <a:r>
+              <a:rPr lang="de-DE" dirty="0"/>
+              <a:t>Objekte bündeln mehrere Funktionen in einer Variable</a:t>
             </a:r>
           </a:p>
         </p:txBody>
       </p:sp>
       <p:pic>
         <p:nvPicPr>
-          <p:cNvPr id="4" name="Picture 3">
-            <a:extLst>
-              <a:ext uri="{FF2B5EF4-FFF2-40B4-BE49-F238E27FC236}">
-                <a16:creationId xmlns:a16="http://schemas.microsoft.com/office/drawing/2014/main" id="{43B57F4B-1D97-ED24-B03E-25916F08B318}"/>
-              </a:ext>
-            </a:extLst>
-          </p:cNvPr>
-          <p:cNvPicPr>
-            <a:picLocks noChangeAspect="1"/>
-          </p:cNvPicPr>
-          <p:nvPr/>
-        </p:nvPicPr>
-        <p:blipFill>
-          <a:blip r:embed="rId2"/>
-          <a:stretch>
-            <a:fillRect/>
-          </a:stretch>
-        </p:blipFill>
-        <p:spPr>
-          <a:xfrm>
-            <a:off x="517748" y="1291095"/>
-            <a:ext cx="3236278" cy="4275810"/>
-          </a:xfrm>
-          <a:prstGeom prst="rect">
-            <a:avLst/>
-          </a:prstGeom>
-        </p:spPr>
-      </p:pic>
-      <p:pic>
-        <p:nvPicPr>
-          <p:cNvPr id="5" name="Picture 4" descr="Replit - Wikipedia">
-            <a:extLst>
-              <a:ext uri="{FF2B5EF4-FFF2-40B4-BE49-F238E27FC236}">
-                <a16:creationId xmlns:a16="http://schemas.microsoft.com/office/drawing/2014/main" id="{A6402719-CFA3-A028-27CA-B0128E489C69}"/>
+          <p:cNvPr id="4" name="Picture 4" descr="Replit - Wikipedia">
+            <a:extLst>
+              <a:ext uri="{FF2B5EF4-FFF2-40B4-BE49-F238E27FC236}">
+                <a16:creationId xmlns:a16="http://schemas.microsoft.com/office/drawing/2014/main" id="{F6D5DD31-3552-DAA5-B458-E5768A62E4B8}"/>
               </a:ext>
             </a:extLst>
           </p:cNvPr>
@@ -8077,7 +8629,7 @@
           <p:nvPr/>
         </p:nvPicPr>
         <p:blipFill>
-          <a:blip r:embed="rId3">
+          <a:blip r:embed="rId2">
             <a:extLst>
               <a:ext uri="{28A0092B-C50C-407E-A947-70E740481C1C}">
                 <a14:useLocalDpi xmlns:a14="http://schemas.microsoft.com/office/drawing/2010/main" val="0"/>
@@ -8111,10 +8663,10 @@
       </p:pic>
       <p:sp>
         <p:nvSpPr>
-          <p:cNvPr id="6" name="TextBox 5">
-            <a:extLst>
-              <a:ext uri="{FF2B5EF4-FFF2-40B4-BE49-F238E27FC236}">
-                <a16:creationId xmlns:a16="http://schemas.microsoft.com/office/drawing/2014/main" id="{41C8F9FF-14B6-33AE-795A-9FE632474BE7}"/>
+          <p:cNvPr id="5" name="TextBox 4">
+            <a:extLst>
+              <a:ext uri="{FF2B5EF4-FFF2-40B4-BE49-F238E27FC236}">
+                <a16:creationId xmlns:a16="http://schemas.microsoft.com/office/drawing/2014/main" id="{ACBB0CA0-1AFD-D859-2C4F-F987A4FA7D04}"/>
               </a:ext>
             </a:extLst>
           </p:cNvPr>
@@ -8123,8 +8675,8 @@
         </p:nvSpPr>
         <p:spPr>
           <a:xfrm>
-            <a:off x="8824059" y="6209234"/>
-            <a:ext cx="2702984" cy="276999"/>
+            <a:off x="8002651" y="6209234"/>
+            <a:ext cx="3555782" cy="276999"/>
           </a:xfrm>
           <a:prstGeom prst="rect">
             <a:avLst/>
@@ -8141,15 +8693,24 @@
               <a:rPr lang="de-DE" sz="1200" dirty="0">
                 <a:latin typeface="Lato Light" panose="020F0302020204030203" pitchFamily="34" charset="77"/>
               </a:rPr>
-              <a:t>Demo phonebook0.py, phonebook1.py</a:t>
-            </a:r>
+              <a:t>Demo score2.py, score3.py, score4.py, </a:t>
+            </a:r>
+            <a:r>
+              <a:rPr lang="de-DE" sz="1200" dirty="0" err="1">
+                <a:latin typeface="Lato Light" panose="020F0302020204030203" pitchFamily="34" charset="77"/>
+              </a:rPr>
+              <a:t>dictionary.py</a:t>
+            </a:r>
+            <a:endParaRPr lang="de-DE" sz="1200" dirty="0">
+              <a:latin typeface="Lato Light" panose="020F0302020204030203" pitchFamily="34" charset="77"/>
+            </a:endParaRPr>
           </a:p>
         </p:txBody>
       </p:sp>
     </p:spTree>
     <p:extLst>
       <p:ext uri="{BB962C8B-B14F-4D97-AF65-F5344CB8AC3E}">
-        <p14:creationId xmlns:p14="http://schemas.microsoft.com/office/powerpoint/2010/main" val="482024451"/>
+        <p14:creationId xmlns:p14="http://schemas.microsoft.com/office/powerpoint/2010/main" val="1806694261"/>
       </p:ext>
     </p:extLst>
   </p:cSld>
@@ -8181,7 +8742,7 @@
           <p:cNvPr id="2" name="Title 1">
             <a:extLst>
               <a:ext uri="{FF2B5EF4-FFF2-40B4-BE49-F238E27FC236}">
-                <a16:creationId xmlns:a16="http://schemas.microsoft.com/office/drawing/2014/main" id="{C6F94032-3103-7E22-7B84-8B8571640D05}"/>
+                <a16:creationId xmlns:a16="http://schemas.microsoft.com/office/drawing/2014/main" id="{A1ED7181-8099-CD05-5E3F-3E98ECB4278A}"/>
               </a:ext>
             </a:extLst>
           </p:cNvPr>
@@ -8198,63 +8759,52 @@
           <a:lstStyle/>
           <a:p>
             <a:r>
+              <a:rPr lang="de-DE" dirty="0" err="1"/>
+              <a:t>Dictionaries</a:t>
+            </a:r>
+            <a:r>
               <a:rPr lang="de-DE" dirty="0"/>
-              <a:t>Mehr zu Strings</a:t>
+              <a:t> als Nachschlagewerke</a:t>
             </a:r>
           </a:p>
         </p:txBody>
       </p:sp>
-      <p:sp>
-        <p:nvSpPr>
-          <p:cNvPr id="3" name="Content Placeholder 2">
-            <a:extLst>
-              <a:ext uri="{FF2B5EF4-FFF2-40B4-BE49-F238E27FC236}">
-                <a16:creationId xmlns:a16="http://schemas.microsoft.com/office/drawing/2014/main" id="{91992E13-9E00-746C-550B-99F9D160D18D}"/>
-              </a:ext>
-            </a:extLst>
-          </p:cNvPr>
-          <p:cNvSpPr>
-            <a:spLocks noGrp="1"/>
-          </p:cNvSpPr>
-          <p:nvPr>
-            <p:ph idx="1"/>
-          </p:nvPr>
-        </p:nvSpPr>
+      <p:pic>
+        <p:nvPicPr>
+          <p:cNvPr id="4" name="Picture 3">
+            <a:extLst>
+              <a:ext uri="{FF2B5EF4-FFF2-40B4-BE49-F238E27FC236}">
+                <a16:creationId xmlns:a16="http://schemas.microsoft.com/office/drawing/2014/main" id="{43B57F4B-1D97-ED24-B03E-25916F08B318}"/>
+              </a:ext>
+            </a:extLst>
+          </p:cNvPr>
+          <p:cNvPicPr>
+            <a:picLocks noChangeAspect="1"/>
+          </p:cNvPicPr>
+          <p:nvPr/>
+        </p:nvPicPr>
+        <p:blipFill>
+          <a:blip r:embed="rId2"/>
+          <a:stretch>
+            <a:fillRect/>
+          </a:stretch>
+        </p:blipFill>
         <p:spPr>
           <a:xfrm>
-            <a:off x="517748" y="1379348"/>
-            <a:ext cx="5578252" cy="4083173"/>
-          </a:xfrm>
-        </p:spPr>
-        <p:txBody>
-          <a:bodyPr/>
-          <a:lstStyle/>
-          <a:p>
-            <a:r>
-              <a:rPr lang="de-DE" dirty="0"/>
-              <a:t>Strings sind Sequenzen aus einzelnen Buchstaben</a:t>
-            </a:r>
-          </a:p>
-          <a:p>
-            <a:r>
-              <a:rPr lang="de-DE" dirty="0"/>
-              <a:t>Strings sind Objekte</a:t>
-            </a:r>
-          </a:p>
-          <a:p>
-            <a:r>
-              <a:rPr lang="de-DE" dirty="0"/>
-              <a:t>Auslesen und Manipulieren von Strings ist ein häufiges Programmierproblem </a:t>
-            </a:r>
-          </a:p>
-        </p:txBody>
-      </p:sp>
+            <a:off x="517748" y="1291095"/>
+            <a:ext cx="3236278" cy="4275810"/>
+          </a:xfrm>
+          <a:prstGeom prst="rect">
+            <a:avLst/>
+          </a:prstGeom>
+        </p:spPr>
+      </p:pic>
       <p:pic>
         <p:nvPicPr>
-          <p:cNvPr id="4" name="Picture 3" descr="Replit - Wikipedia">
-            <a:extLst>
-              <a:ext uri="{FF2B5EF4-FFF2-40B4-BE49-F238E27FC236}">
-                <a16:creationId xmlns:a16="http://schemas.microsoft.com/office/drawing/2014/main" id="{23076518-BD56-7D3D-6342-07B73BF2D083}"/>
+          <p:cNvPr id="5" name="Picture 4" descr="Replit - Wikipedia">
+            <a:extLst>
+              <a:ext uri="{FF2B5EF4-FFF2-40B4-BE49-F238E27FC236}">
+                <a16:creationId xmlns:a16="http://schemas.microsoft.com/office/drawing/2014/main" id="{A6402719-CFA3-A028-27CA-B0128E489C69}"/>
               </a:ext>
             </a:extLst>
           </p:cNvPr>
@@ -8298,10 +8848,10 @@
       </p:pic>
       <p:sp>
         <p:nvSpPr>
-          <p:cNvPr id="5" name="TextBox 4">
-            <a:extLst>
-              <a:ext uri="{FF2B5EF4-FFF2-40B4-BE49-F238E27FC236}">
-                <a16:creationId xmlns:a16="http://schemas.microsoft.com/office/drawing/2014/main" id="{076564A7-2D5B-9F33-0679-431E91BCBB8A}"/>
+          <p:cNvPr id="6" name="TextBox 5">
+            <a:extLst>
+              <a:ext uri="{FF2B5EF4-FFF2-40B4-BE49-F238E27FC236}">
+                <a16:creationId xmlns:a16="http://schemas.microsoft.com/office/drawing/2014/main" id="{41C8F9FF-14B6-33AE-795A-9FE632474BE7}"/>
               </a:ext>
             </a:extLst>
           </p:cNvPr>
@@ -8310,8 +8860,8 @@
         </p:nvSpPr>
         <p:spPr>
           <a:xfrm>
-            <a:off x="9366501" y="6209234"/>
-            <a:ext cx="2173993" cy="276999"/>
+            <a:off x="8824059" y="6209234"/>
+            <a:ext cx="2702984" cy="276999"/>
           </a:xfrm>
           <a:prstGeom prst="rect">
             <a:avLst/>
@@ -8328,7 +8878,7 @@
               <a:rPr lang="de-DE" sz="1200" dirty="0">
                 <a:latin typeface="Lato Light" panose="020F0302020204030203" pitchFamily="34" charset="77"/>
               </a:rPr>
-              <a:t>Demo string1.py bis string6.py</a:t>
+              <a:t>Demo phonebook0.py, phonebook1.py</a:t>
             </a:r>
           </a:p>
         </p:txBody>
@@ -8336,7 +8886,7 @@
     </p:spTree>
     <p:extLst>
       <p:ext uri="{BB962C8B-B14F-4D97-AF65-F5344CB8AC3E}">
-        <p14:creationId xmlns:p14="http://schemas.microsoft.com/office/powerpoint/2010/main" val="2607735164"/>
+        <p14:creationId xmlns:p14="http://schemas.microsoft.com/office/powerpoint/2010/main" val="482024451"/>
       </p:ext>
     </p:extLst>
   </p:cSld>
@@ -8368,7 +8918,7 @@
           <p:cNvPr id="2" name="Title 1">
             <a:extLst>
               <a:ext uri="{FF2B5EF4-FFF2-40B4-BE49-F238E27FC236}">
-                <a16:creationId xmlns:a16="http://schemas.microsoft.com/office/drawing/2014/main" id="{AD738F7B-2DDC-7DD8-1D39-2F103BB90A7C}"/>
+                <a16:creationId xmlns:a16="http://schemas.microsoft.com/office/drawing/2014/main" id="{C6F94032-3103-7E22-7B84-8B8571640D05}"/>
               </a:ext>
             </a:extLst>
           </p:cNvPr>
@@ -8386,67 +8936,62 @@
           <a:p>
             <a:r>
               <a:rPr lang="de-DE" dirty="0"/>
-              <a:t>Parameter von der Shell</a:t>
+              <a:t>Mehr zu Strings</a:t>
             </a:r>
           </a:p>
         </p:txBody>
       </p:sp>
       <p:sp>
         <p:nvSpPr>
-          <p:cNvPr id="4" name="Rectangle 3">
-            <a:extLst>
-              <a:ext uri="{FF2B5EF4-FFF2-40B4-BE49-F238E27FC236}">
-                <a16:creationId xmlns:a16="http://schemas.microsoft.com/office/drawing/2014/main" id="{A8440A5B-46F9-C2C6-578F-E40E790DC792}"/>
-              </a:ext>
-            </a:extLst>
-          </p:cNvPr>
-          <p:cNvSpPr/>
-          <p:nvPr/>
+          <p:cNvPr id="3" name="Content Placeholder 2">
+            <a:extLst>
+              <a:ext uri="{FF2B5EF4-FFF2-40B4-BE49-F238E27FC236}">
+                <a16:creationId xmlns:a16="http://schemas.microsoft.com/office/drawing/2014/main" id="{91992E13-9E00-746C-550B-99F9D160D18D}"/>
+              </a:ext>
+            </a:extLst>
+          </p:cNvPr>
+          <p:cNvSpPr>
+            <a:spLocks noGrp="1"/>
+          </p:cNvSpPr>
+          <p:nvPr>
+            <p:ph idx="1"/>
+          </p:nvPr>
         </p:nvSpPr>
         <p:spPr>
           <a:xfrm>
-            <a:off x="517748" y="2782669"/>
-            <a:ext cx="6096000" cy="646331"/>
-          </a:xfrm>
-          <a:prstGeom prst="rect">
-            <a:avLst/>
-          </a:prstGeom>
+            <a:off x="517748" y="1379348"/>
+            <a:ext cx="5578252" cy="4083173"/>
+          </a:xfrm>
         </p:spPr>
         <p:txBody>
-          <a:bodyPr>
-            <a:spAutoFit/>
-          </a:bodyPr>
+          <a:bodyPr/>
           <a:lstStyle/>
           <a:p>
             <a:r>
-              <a:rPr lang="de-DE" dirty="0">
-                <a:latin typeface="Source Code Pro" panose="020B0509030403020204" pitchFamily="49" charset="77"/>
-              </a:rPr>
-              <a:t>$ python3 argv0.py Markus</a:t>
-            </a:r>
-          </a:p>
-          <a:p>
-            <a:r>
-              <a:rPr lang="de-DE" dirty="0" err="1">
-                <a:latin typeface="Source Code Pro" panose="020B0509030403020204" pitchFamily="49" charset="77"/>
-              </a:rPr>
-              <a:t>hello</a:t>
-            </a:r>
-            <a:r>
-              <a:rPr lang="de-DE" dirty="0">
-                <a:latin typeface="Source Code Pro" panose="020B0509030403020204" pitchFamily="49" charset="77"/>
-              </a:rPr>
-              <a:t>, Markus</a:t>
+              <a:rPr lang="de-DE" dirty="0"/>
+              <a:t>Strings sind Sequenzen aus einzelnen Buchstaben</a:t>
+            </a:r>
+          </a:p>
+          <a:p>
+            <a:r>
+              <a:rPr lang="de-DE" dirty="0"/>
+              <a:t>Strings sind Objekte</a:t>
+            </a:r>
+          </a:p>
+          <a:p>
+            <a:r>
+              <a:rPr lang="de-DE" dirty="0"/>
+              <a:t>Auslesen und Manipulieren von Strings ist ein häufiges Programmierproblem </a:t>
             </a:r>
           </a:p>
         </p:txBody>
       </p:sp>
       <p:pic>
         <p:nvPicPr>
-          <p:cNvPr id="5" name="Picture 4" descr="Replit - Wikipedia">
-            <a:extLst>
-              <a:ext uri="{FF2B5EF4-FFF2-40B4-BE49-F238E27FC236}">
-                <a16:creationId xmlns:a16="http://schemas.microsoft.com/office/drawing/2014/main" id="{766DB63B-A617-F100-63E4-40FCCB15CE66}"/>
+          <p:cNvPr id="4" name="Picture 3" descr="Replit - Wikipedia">
+            <a:extLst>
+              <a:ext uri="{FF2B5EF4-FFF2-40B4-BE49-F238E27FC236}">
+                <a16:creationId xmlns:a16="http://schemas.microsoft.com/office/drawing/2014/main" id="{23076518-BD56-7D3D-6342-07B73BF2D083}"/>
               </a:ext>
             </a:extLst>
           </p:cNvPr>
@@ -8456,7 +9001,7 @@
           <p:nvPr/>
         </p:nvPicPr>
         <p:blipFill>
-          <a:blip r:embed="rId2">
+          <a:blip r:embed="rId3">
             <a:extLst>
               <a:ext uri="{28A0092B-C50C-407E-A947-70E740481C1C}">
                 <a14:useLocalDpi xmlns:a14="http://schemas.microsoft.com/office/drawing/2010/main" val="0"/>
@@ -8490,10 +9035,10 @@
       </p:pic>
       <p:sp>
         <p:nvSpPr>
-          <p:cNvPr id="6" name="TextBox 5">
-            <a:extLst>
-              <a:ext uri="{FF2B5EF4-FFF2-40B4-BE49-F238E27FC236}">
-                <a16:creationId xmlns:a16="http://schemas.microsoft.com/office/drawing/2014/main" id="{87FDE1E1-496F-E311-01CF-D4419D108148}"/>
+          <p:cNvPr id="5" name="TextBox 4">
+            <a:extLst>
+              <a:ext uri="{FF2B5EF4-FFF2-40B4-BE49-F238E27FC236}">
+                <a16:creationId xmlns:a16="http://schemas.microsoft.com/office/drawing/2014/main" id="{076564A7-2D5B-9F33-0679-431E91BCBB8A}"/>
               </a:ext>
             </a:extLst>
           </p:cNvPr>
@@ -8503,7 +9048,7 @@
         <p:spPr>
           <a:xfrm>
             <a:off x="9366501" y="6209234"/>
-            <a:ext cx="1994457" cy="276999"/>
+            <a:ext cx="2173993" cy="276999"/>
           </a:xfrm>
           <a:prstGeom prst="rect">
             <a:avLst/>
@@ -8520,7 +9065,7 @@
               <a:rPr lang="de-DE" sz="1200" dirty="0">
                 <a:latin typeface="Lato Light" panose="020F0302020204030203" pitchFamily="34" charset="77"/>
               </a:rPr>
-              <a:t>Demo argv0.py bis argv2.py</a:t>
+              <a:t>Demo string1.py bis string6.py</a:t>
             </a:r>
           </a:p>
         </p:txBody>
@@ -8528,7 +9073,7 @@
     </p:spTree>
     <p:extLst>
       <p:ext uri="{BB962C8B-B14F-4D97-AF65-F5344CB8AC3E}">
-        <p14:creationId xmlns:p14="http://schemas.microsoft.com/office/powerpoint/2010/main" val="3185532304"/>
+        <p14:creationId xmlns:p14="http://schemas.microsoft.com/office/powerpoint/2010/main" val="2607735164"/>
       </p:ext>
     </p:extLst>
   </p:cSld>
@@ -8551,6 +9096,12 @@
 </file>
 
 <file path=ppt/tags/tag3.xml><?xml version="1.0" encoding="utf-8"?>
+<p:tagLst xmlns:a="http://schemas.openxmlformats.org/drawingml/2006/main" xmlns:r="http://schemas.openxmlformats.org/officeDocument/2006/relationships" xmlns:p="http://schemas.openxmlformats.org/presentationml/2006/main">
+  <p:tag name="THINKCELLSHAPEDONOTDELETE" val="thinkcellActiveDocDoNotDelete"/>
+</p:tagLst>
+</file>
+
+<file path=ppt/tags/tag4.xml><?xml version="1.0" encoding="utf-8"?>
 <p:tagLst xmlns:a="http://schemas.openxmlformats.org/drawingml/2006/main" xmlns:r="http://schemas.openxmlformats.org/officeDocument/2006/relationships" xmlns:p="http://schemas.openxmlformats.org/presentationml/2006/main">
   <p:tag name="THINKCELLSHAPEDONOTDELETE" val="thinkcellActiveDocDoNotDelete"/>
 </p:tagLst>

--- a/semester1_technology_skills/05_python2/slides/DigitalSkills_01_05_Python2_220629_v2.pptx
+++ b/semester1_technology_skills/05_python2/slides/DigitalSkills_01_05_Python2_220629_v2.pptx
@@ -221,7 +221,7 @@
           <a:p>
             <a:fld id="{DE7E3AB8-876E-1542-BA35-CC1AAFD17F71}" type="datetimeFigureOut">
               <a:rPr lang="de-DE" smtClean="0"/>
-              <a:t>05.07.22</a:t>
+              <a:t>06.07.22</a:t>
             </a:fld>
             <a:endParaRPr lang="de-DE"/>
           </a:p>
@@ -5964,7 +5964,7 @@
           <a:p>
             <a:fld id="{8C445101-65EE-0048-9A14-29E3837D9AD2}" type="datetimeFigureOut">
               <a:rPr lang="de-DE" smtClean="0"/>
-              <a:t>05.07.22</a:t>
+              <a:t>06.07.22</a:t>
             </a:fld>
             <a:endParaRPr lang="de-DE"/>
           </a:p>
@@ -7035,36 +7035,6 @@
       </p:sp>
       <p:pic>
         <p:nvPicPr>
-          <p:cNvPr id="5" name="Picture 4">
-            <a:extLst>
-              <a:ext uri="{FF2B5EF4-FFF2-40B4-BE49-F238E27FC236}">
-                <a16:creationId xmlns:a16="http://schemas.microsoft.com/office/drawing/2014/main" id="{3D076553-068E-292D-CF31-482E6115DF81}"/>
-              </a:ext>
-            </a:extLst>
-          </p:cNvPr>
-          <p:cNvPicPr>
-            <a:picLocks noChangeAspect="1"/>
-          </p:cNvPicPr>
-          <p:nvPr/>
-        </p:nvPicPr>
-        <p:blipFill>
-          <a:blip r:embed="rId6"/>
-          <a:stretch>
-            <a:fillRect/>
-          </a:stretch>
-        </p:blipFill>
-        <p:spPr>
-          <a:xfrm>
-            <a:off x="517748" y="1919194"/>
-            <a:ext cx="5106240" cy="2222500"/>
-          </a:xfrm>
-          <a:prstGeom prst="rect">
-            <a:avLst/>
-          </a:prstGeom>
-        </p:spPr>
-      </p:pic>
-      <p:pic>
-        <p:nvPicPr>
           <p:cNvPr id="12" name="Picture 4" descr="Replit - Wikipedia">
             <a:extLst>
               <a:ext uri="{FF2B5EF4-FFF2-40B4-BE49-F238E27FC236}">
@@ -7078,7 +7048,7 @@
           <p:nvPr/>
         </p:nvPicPr>
         <p:blipFill>
-          <a:blip r:embed="rId7">
+          <a:blip r:embed="rId6">
             <a:extLst>
               <a:ext uri="{28A0092B-C50C-407E-A947-70E740481C1C}">
                 <a14:useLocalDpi xmlns:a14="http://schemas.microsoft.com/office/drawing/2010/main" val="0"/>
@@ -7218,6 +7188,83 @@
                 <a:latin typeface="SourceCodePro" panose="020B0509030403020204"/>
               </a:rPr>
               <a:t>(x, y)</a:t>
+            </a:r>
+            <a:endParaRPr lang="de-DE" dirty="0"/>
+          </a:p>
+        </p:txBody>
+      </p:sp>
+      <p:sp>
+        <p:nvSpPr>
+          <p:cNvPr id="9" name="TextBox 8">
+            <a:extLst>
+              <a:ext uri="{FF2B5EF4-FFF2-40B4-BE49-F238E27FC236}">
+                <a16:creationId xmlns:a16="http://schemas.microsoft.com/office/drawing/2014/main" id="{99E412F6-16E8-9ED3-A0D5-E06B497FF90A}"/>
+              </a:ext>
+            </a:extLst>
+          </p:cNvPr>
+          <p:cNvSpPr txBox="1"/>
+          <p:nvPr/>
+        </p:nvSpPr>
+        <p:spPr>
+          <a:xfrm>
+            <a:off x="517748" y="2669568"/>
+            <a:ext cx="6100354" cy="369332"/>
+          </a:xfrm>
+          <a:prstGeom prst="rect">
+            <a:avLst/>
+          </a:prstGeom>
+          <a:noFill/>
+        </p:spPr>
+        <p:txBody>
+          <a:bodyPr wrap="square">
+            <a:spAutoFit/>
+          </a:bodyPr>
+          <a:lstStyle/>
+          <a:p>
+            <a:r>
+              <a:rPr lang="en-GB" dirty="0">
+                <a:solidFill>
+                  <a:srgbClr val="535353"/>
+                </a:solidFill>
+                <a:latin typeface="SourceCodePro" panose="020B0509030403020204" pitchFamily="49" charset="77"/>
+              </a:rPr>
+              <a:t>answer = </a:t>
+            </a:r>
+            <a:r>
+              <a:rPr lang="en-GB" dirty="0" err="1">
+                <a:solidFill>
+                  <a:srgbClr val="535353"/>
+                </a:solidFill>
+                <a:latin typeface="SourceCodePro" panose="020B0509030403020204" pitchFamily="49" charset="77"/>
+              </a:rPr>
+              <a:t>get_string</a:t>
+            </a:r>
+            <a:r>
+              <a:rPr lang="en-GB" dirty="0">
+                <a:solidFill>
+                  <a:srgbClr val="535353"/>
+                </a:solidFill>
+                <a:latin typeface="SourceCodePro" panose="020B0509030403020204" pitchFamily="49" charset="77"/>
+              </a:rPr>
+              <a:t>(</a:t>
+            </a:r>
+            <a:r>
+              <a:rPr lang="en-GB" dirty="0">
+                <a:solidFill>
+                  <a:srgbClr val="E88501"/>
+                </a:solidFill>
+                <a:latin typeface="SourceCodePro" panose="020B0509030403020204" pitchFamily="49" charset="77"/>
+              </a:rPr>
+              <a:t>"What's your name? "</a:t>
+            </a:r>
+            <a:r>
+              <a:rPr lang="en-GB" dirty="0">
+                <a:solidFill>
+                  <a:srgbClr val="535353"/>
+                </a:solidFill>
+                <a:latin typeface="SourceCodePro" panose="020B0509030403020204" pitchFamily="49" charset="77"/>
+              </a:rPr>
+              <a:t>)</a:t>
             </a:r>
             <a:endParaRPr lang="de-DE" dirty="0"/>
           </a:p>
@@ -8317,8 +8364,8 @@
         </p:nvSpPr>
         <p:spPr>
           <a:xfrm>
-            <a:off x="10280897" y="6209234"/>
-            <a:ext cx="1140056" cy="276999"/>
+            <a:off x="8412905" y="6209234"/>
+            <a:ext cx="3127779" cy="276999"/>
           </a:xfrm>
           <a:prstGeom prst="rect">
             <a:avLst/>
@@ -8341,7 +8388,31 @@
               <a:rPr lang="de-DE" sz="1200" dirty="0" err="1">
                 <a:latin typeface="Lato Light" panose="020F0302020204030203" pitchFamily="34" charset="77"/>
               </a:rPr>
+              <a:t>swap_buggy.py</a:t>
+            </a:r>
+            <a:r>
+              <a:rPr lang="de-DE" sz="1200" dirty="0">
+                <a:latin typeface="Lato Light" panose="020F0302020204030203" pitchFamily="34" charset="77"/>
+              </a:rPr>
+              <a:t>, </a:t>
+            </a:r>
+            <a:r>
+              <a:rPr lang="de-DE" sz="1200" dirty="0" err="1">
+                <a:latin typeface="Lato Light" panose="020F0302020204030203" pitchFamily="34" charset="77"/>
+              </a:rPr>
               <a:t>swap.py</a:t>
+            </a:r>
+            <a:r>
+              <a:rPr lang="de-DE" sz="1200" dirty="0">
+                <a:latin typeface="Lato Light" panose="020F0302020204030203" pitchFamily="34" charset="77"/>
+              </a:rPr>
+              <a:t>, </a:t>
+            </a:r>
+            <a:r>
+              <a:rPr lang="de-DE" sz="1200" dirty="0" err="1">
+                <a:latin typeface="Lato Light" panose="020F0302020204030203" pitchFamily="34" charset="77"/>
+              </a:rPr>
+              <a:t>swap_list.py</a:t>
             </a:r>
             <a:endParaRPr lang="de-DE" sz="1200" dirty="0">
               <a:latin typeface="Lato Light" panose="020F0302020204030203" pitchFamily="34" charset="77"/>

--- a/semester1_technology_skills/05_python2/slides/DigitalSkills_01_05_Python2_220629_v2.pptx
+++ b/semester1_technology_skills/05_python2/slides/DigitalSkills_01_05_Python2_220629_v2.pptx
@@ -6794,7 +6794,7 @@
         <p:spPr>
           <a:xfrm>
             <a:off x="517748" y="2252443"/>
-            <a:ext cx="3653564" cy="461665"/>
+            <a:ext cx="3793026" cy="830997"/>
           </a:xfrm>
           <a:prstGeom prst="rect">
             <a:avLst/>
@@ -6808,22 +6808,34 @@
           <a:p>
             <a:r>
               <a:rPr lang="de-DE" sz="2400" dirty="0">
+                <a:solidFill>
+                  <a:schemeClr val="bg2"/>
+                </a:solidFill>
                 <a:latin typeface="Lato Light" panose="020F0302020204030203" pitchFamily="34" charset="77"/>
-              </a:rPr>
-              <a:t>https://</a:t>
-            </a:r>
-            <a:r>
-              <a:rPr lang="de-DE" sz="2400" dirty="0" err="1">
-                <a:latin typeface="Lato Light" panose="020F0302020204030203" pitchFamily="34" charset="77"/>
-              </a:rPr>
-              <a:t>docs.python.org</a:t>
-            </a:r>
-            <a:r>
-              <a:rPr lang="de-DE" sz="2400" dirty="0">
-                <a:latin typeface="Lato Light" panose="020F0302020204030203" pitchFamily="34" charset="77"/>
-              </a:rPr>
-              <a:t>/3/</a:t>
-            </a:r>
+                <a:hlinkClick r:id="rId2">
+                  <a:extLst>
+                    <a:ext uri="{A12FA001-AC4F-418D-AE19-62706E023703}">
+                      <ahyp:hlinkClr xmlns:ahyp="http://schemas.microsoft.com/office/drawing/2018/hyperlinkcolor" val="tx"/>
+                    </a:ext>
+                  </a:extLst>
+                </a:hlinkClick>
+              </a:rPr>
+              <a:t>https://docs.python.org/3/</a:t>
+            </a:r>
+            <a:endParaRPr lang="de-DE" sz="2400" dirty="0">
+              <a:solidFill>
+                <a:schemeClr val="bg2"/>
+              </a:solidFill>
+              <a:latin typeface="Lato Light" panose="020F0302020204030203" pitchFamily="34" charset="77"/>
+            </a:endParaRPr>
+          </a:p>
+          <a:p>
+            <a:endParaRPr lang="de-DE" sz="2400" dirty="0">
+              <a:solidFill>
+                <a:schemeClr val="bg2"/>
+              </a:solidFill>
+              <a:latin typeface="Lato Light" panose="020F0302020204030203" pitchFamily="34" charset="77"/>
+            </a:endParaRPr>
           </a:p>
         </p:txBody>
       </p:sp>
@@ -6842,7 +6854,7 @@
         <p:spPr>
           <a:xfrm>
             <a:off x="517748" y="3312896"/>
-            <a:ext cx="6096000" cy="830997"/>
+            <a:ext cx="6096000" cy="1200329"/>
           </a:xfrm>
           <a:prstGeom prst="rect">
             <a:avLst/>
@@ -6856,41 +6868,32 @@
           <a:p>
             <a:r>
               <a:rPr lang="de-DE" sz="2400" dirty="0">
+                <a:solidFill>
+                  <a:schemeClr val="bg2"/>
+                </a:solidFill>
                 <a:latin typeface="Lato Light" panose="020F0302020204030203" pitchFamily="34" charset="77"/>
-              </a:rPr>
-              <a:t>https://</a:t>
-            </a:r>
-            <a:r>
-              <a:rPr lang="de-DE" sz="2400" dirty="0" err="1">
-                <a:latin typeface="Lato Light" panose="020F0302020204030203" pitchFamily="34" charset="77"/>
-              </a:rPr>
-              <a:t>docs.python.org</a:t>
-            </a:r>
-            <a:r>
-              <a:rPr lang="de-DE" sz="2400" dirty="0">
-                <a:latin typeface="Lato Light" panose="020F0302020204030203" pitchFamily="34" charset="77"/>
-              </a:rPr>
-              <a:t>/3/</a:t>
-            </a:r>
-            <a:r>
-              <a:rPr lang="de-DE" sz="2400" dirty="0" err="1">
-                <a:latin typeface="Lato Light" panose="020F0302020204030203" pitchFamily="34" charset="77"/>
-              </a:rPr>
-              <a:t>library</a:t>
-            </a:r>
-            <a:r>
-              <a:rPr lang="de-DE" sz="2400" dirty="0">
-                <a:latin typeface="Lato Light" panose="020F0302020204030203" pitchFamily="34" charset="77"/>
-              </a:rPr>
-              <a:t>/</a:t>
-            </a:r>
-            <a:r>
-              <a:rPr lang="de-DE" sz="2400" dirty="0" err="1">
-                <a:latin typeface="Lato Light" panose="020F0302020204030203" pitchFamily="34" charset="77"/>
-              </a:rPr>
-              <a:t>stdtypes.html#string-methods</a:t>
+                <a:hlinkClick r:id="rId3">
+                  <a:extLst>
+                    <a:ext uri="{A12FA001-AC4F-418D-AE19-62706E023703}">
+                      <ahyp:hlinkClr xmlns:ahyp="http://schemas.microsoft.com/office/drawing/2018/hyperlinkcolor" val="tx"/>
+                    </a:ext>
+                  </a:extLst>
+                </a:hlinkClick>
+              </a:rPr>
+              <a:t>https://docs.python.org/3/library/stdtypes.html#string-methods</a:t>
             </a:r>
             <a:endParaRPr lang="de-DE" sz="2400" dirty="0">
+              <a:solidFill>
+                <a:schemeClr val="bg2"/>
+              </a:solidFill>
+              <a:latin typeface="Lato Light" panose="020F0302020204030203" pitchFamily="34" charset="77"/>
+            </a:endParaRPr>
+          </a:p>
+          <a:p>
+            <a:endParaRPr lang="de-DE" sz="2400" dirty="0">
+              <a:solidFill>
+                <a:schemeClr val="bg2"/>
+              </a:solidFill>
               <a:latin typeface="Lato Light" panose="020F0302020204030203" pitchFamily="34" charset="77"/>
             </a:endParaRPr>
           </a:p>
@@ -8747,7 +8750,7 @@
         <p:spPr>
           <a:xfrm>
             <a:off x="8002651" y="6209234"/>
-            <a:ext cx="3555782" cy="276999"/>
+            <a:ext cx="3422732" cy="276999"/>
           </a:xfrm>
           <a:prstGeom prst="rect">
             <a:avLst/>
@@ -8770,7 +8773,7 @@
               <a:rPr lang="de-DE" sz="1200" dirty="0" err="1">
                 <a:latin typeface="Lato Light" panose="020F0302020204030203" pitchFamily="34" charset="77"/>
               </a:rPr>
-              <a:t>dictionary.py</a:t>
+              <a:t>names.py</a:t>
             </a:r>
             <a:endParaRPr lang="de-DE" sz="1200" dirty="0">
               <a:latin typeface="Lato Light" panose="020F0302020204030203" pitchFamily="34" charset="77"/>
@@ -8842,36 +8845,6 @@
       </p:sp>
       <p:pic>
         <p:nvPicPr>
-          <p:cNvPr id="4" name="Picture 3">
-            <a:extLst>
-              <a:ext uri="{FF2B5EF4-FFF2-40B4-BE49-F238E27FC236}">
-                <a16:creationId xmlns:a16="http://schemas.microsoft.com/office/drawing/2014/main" id="{43B57F4B-1D97-ED24-B03E-25916F08B318}"/>
-              </a:ext>
-            </a:extLst>
-          </p:cNvPr>
-          <p:cNvPicPr>
-            <a:picLocks noChangeAspect="1"/>
-          </p:cNvPicPr>
-          <p:nvPr/>
-        </p:nvPicPr>
-        <p:blipFill>
-          <a:blip r:embed="rId2"/>
-          <a:stretch>
-            <a:fillRect/>
-          </a:stretch>
-        </p:blipFill>
-        <p:spPr>
-          <a:xfrm>
-            <a:off x="517748" y="1291095"/>
-            <a:ext cx="3236278" cy="4275810"/>
-          </a:xfrm>
-          <a:prstGeom prst="rect">
-            <a:avLst/>
-          </a:prstGeom>
-        </p:spPr>
-      </p:pic>
-      <p:pic>
-        <p:nvPicPr>
           <p:cNvPr id="5" name="Picture 4" descr="Replit - Wikipedia">
             <a:extLst>
               <a:ext uri="{FF2B5EF4-FFF2-40B4-BE49-F238E27FC236}">
@@ -8885,7 +8858,7 @@
           <p:nvPr/>
         </p:nvPicPr>
         <p:blipFill>
-          <a:blip r:embed="rId3">
+          <a:blip r:embed="rId2">
             <a:extLst>
               <a:ext uri="{28A0092B-C50C-407E-A947-70E740481C1C}">
                 <a14:useLocalDpi xmlns:a14="http://schemas.microsoft.com/office/drawing/2010/main" val="0"/>
